--- a/ppt 수정본.pptx
+++ b/ppt 수정본.pptx
@@ -1,23 +1,23 @@
 
 <file path=ppt/presentation.xml><?xml version="1.0" encoding="utf-8"?>
-<p:presentation xmlns:r="http://schemas.openxmlformats.org/officeDocument/2006/relationships" xmlns:c="http://schemas.openxmlformats.org/drawingml/2006/chart" xmlns:a="http://schemas.openxmlformats.org/drawingml/2006/main" xmlns:dgm="http://schemas.openxmlformats.org/drawingml/2006/diagram" xmlns:dsp="http://schemas.microsoft.com/office/drawing/2008/diagram" xmlns:p="http://schemas.openxmlformats.org/presentationml/2006/main" saveSubsetFonts="1">
+<p:presentation xmlns:a="http://schemas.openxmlformats.org/drawingml/2006/main" xmlns:r="http://schemas.openxmlformats.org/officeDocument/2006/relationships" xmlns:p="http://schemas.openxmlformats.org/presentationml/2006/main" saveSubsetFonts="1">
   <p:sldMasterIdLst>
     <p:sldMasterId id="2147483671" r:id="rId1"/>
   </p:sldMasterIdLst>
   <p:notesMasterIdLst>
-    <p:notesMasterId r:id="rId2"/>
+    <p:notesMasterId r:id="rId12"/>
   </p:notesMasterIdLst>
   <p:sldIdLst>
-    <p:sldId id="256" r:id="rId3"/>
-    <p:sldId id="257" r:id="rId4"/>
-    <p:sldId id="258" r:id="rId5"/>
-    <p:sldId id="259" r:id="rId6"/>
-    <p:sldId id="260" r:id="rId7"/>
-    <p:sldId id="261" r:id="rId8"/>
-    <p:sldId id="262" r:id="rId9"/>
-    <p:sldId id="263" r:id="rId10"/>
-    <p:sldId id="264" r:id="rId11"/>
-    <p:sldId id="265" r:id="rId12"/>
+    <p:sldId id="256" r:id="rId2"/>
+    <p:sldId id="257" r:id="rId3"/>
+    <p:sldId id="258" r:id="rId4"/>
+    <p:sldId id="259" r:id="rId5"/>
+    <p:sldId id="260" r:id="rId6"/>
+    <p:sldId id="261" r:id="rId7"/>
+    <p:sldId id="262" r:id="rId8"/>
+    <p:sldId id="263" r:id="rId9"/>
+    <p:sldId id="264" r:id="rId10"/>
+    <p:sldId id="265" r:id="rId11"/>
   </p:sldIdLst>
   <p:sldSz cx="12192000" cy="6858000"/>
   <p:notesSz cx="6858000" cy="9144000"/>
@@ -116,11 +116,32 @@
       </a:defRPr>
     </a:lvl9pPr>
   </p:defaultTextStyle>
+  <p:extLst>
+    <p:ext uri="{EFAFB233-063F-42B5-8137-9DF3F51BA10A}">
+      <p15:sldGuideLst xmlns:p15="http://schemas.microsoft.com/office/powerpoint/2012/main">
+        <p15:guide id="1" orient="horz" pos="2159">
+          <p15:clr>
+            <a:srgbClr val="A4A3A4"/>
+          </p15:clr>
+        </p15:guide>
+        <p15:guide id="2" pos="3838">
+          <p15:clr>
+            <a:srgbClr val="A4A3A4"/>
+          </p15:clr>
+        </p15:guide>
+        <p15:guide id="3" pos="-76">
+          <p15:clr>
+            <a:srgbClr val="A4A3A4"/>
+          </p15:clr>
+        </p15:guide>
+      </p15:sldGuideLst>
+    </p:ext>
+  </p:extLst>
 </p:presentation>
 </file>
 
 <file path=ppt/notesMasters/notesMaster1.xml><?xml version="1.0" encoding="utf-8"?>
-<p:notesMaster xmlns:r="http://schemas.openxmlformats.org/officeDocument/2006/relationships" xmlns:c="http://schemas.openxmlformats.org/drawingml/2006/chart" xmlns:a="http://schemas.openxmlformats.org/drawingml/2006/main" xmlns:dgm="http://schemas.openxmlformats.org/drawingml/2006/diagram" xmlns:dsp="http://schemas.microsoft.com/office/drawing/2008/diagram" xmlns:p="http://schemas.openxmlformats.org/presentationml/2006/main">
+<p:notesMaster xmlns:a="http://schemas.openxmlformats.org/drawingml/2006/main" xmlns:r="http://schemas.openxmlformats.org/officeDocument/2006/relationships" xmlns:p="http://schemas.openxmlformats.org/presentationml/2006/main">
   <p:cSld>
     <p:bg>
       <p:bgRef idx="1001">
@@ -148,7 +169,7 @@
             <a:spLocks noGrp="1"/>
           </p:cNvSpPr>
           <p:nvPr>
-            <p:ph type="hdr" sz="quarter" idx="0"/>
+            <p:ph type="hdr" sz="quarter"/>
           </p:nvPr>
         </p:nvSpPr>
         <p:spPr>
@@ -171,10 +192,6 @@
             <a:pPr lvl="0">
               <a:defRPr lang="ko-KR" altLang="en-US"/>
             </a:pPr>
-            <a:r>
-              <a:rPr lang="ko-KR" altLang="en-US"/>
-              <a:t/>
-            </a:r>
             <a:endParaRPr lang="ko-KR" altLang="en-US"/>
           </a:p>
         </p:txBody>
@@ -214,7 +231,7 @@
               <a:pPr lvl="0">
                 <a:defRPr lang="ko-KR" altLang="en-US"/>
               </a:pPr>
-              <a:t>2025-06-12</a:t>
+              <a:t>2025-06-17</a:t>
             </a:fld>
             <a:endParaRPr lang="ko-KR" altLang="en-US"/>
           </a:p>
@@ -277,7 +294,7 @@
         </p:spPr>
         <p:txBody>
           <a:bodyPr vert="horz" lIns="91440" tIns="45720" rIns="91440" bIns="45720">
-            <a:normAutofit lnSpcReduction="0"/>
+            <a:normAutofit/>
           </a:bodyPr>
           <a:lstStyle/>
           <a:p>
@@ -288,7 +305,6 @@
               <a:rPr lang="ko-KR" altLang="en-US"/>
               <a:t>마스터 텍스트 스타일을 편집합니다</a:t>
             </a:r>
-            <a:endParaRPr lang="ko-KR" altLang="en-US"/>
           </a:p>
           <a:p>
             <a:pPr lvl="1">
@@ -298,7 +314,6 @@
               <a:rPr lang="ko-KR" altLang="en-US"/>
               <a:t>둘째 수준</a:t>
             </a:r>
-            <a:endParaRPr lang="ko-KR" altLang="en-US"/>
           </a:p>
           <a:p>
             <a:pPr lvl="2">
@@ -308,7 +323,6 @@
               <a:rPr lang="ko-KR" altLang="en-US"/>
               <a:t>셋째 수준</a:t>
             </a:r>
-            <a:endParaRPr lang="ko-KR" altLang="en-US"/>
           </a:p>
           <a:p>
             <a:pPr lvl="3">
@@ -318,7 +332,6 @@
               <a:rPr lang="ko-KR" altLang="en-US"/>
               <a:t>넷째 수준</a:t>
             </a:r>
-            <a:endParaRPr lang="ko-KR" altLang="en-US"/>
           </a:p>
           <a:p>
             <a:pPr lvl="4">
@@ -328,7 +341,6 @@
               <a:rPr lang="ko-KR" altLang="en-US"/>
               <a:t>다섯째 수준</a:t>
             </a:r>
-            <a:endParaRPr lang="ko-KR" altLang="en-US"/>
           </a:p>
         </p:txBody>
       </p:sp>
@@ -362,10 +374,6 @@
             <a:pPr lvl="0">
               <a:defRPr lang="ko-KR" altLang="en-US"/>
             </a:pPr>
-            <a:r>
-              <a:rPr lang="ko-KR" altLang="en-US"/>
-              <a:t/>
-            </a:r>
             <a:endParaRPr lang="ko-KR" altLang="en-US"/>
           </a:p>
         </p:txBody>
@@ -657,7 +665,7 @@
           <a:p>
             <a:fld id="{772F5193-41CD-4063-B0C7-05E32D5C3CCF}" type="datetimeFigureOut">
               <a:rPr lang="ko-KR" altLang="en-US" smtClean="0"/>
-              <a:t>2025-06-10</a:t>
+              <a:t>2025-06-17</a:t>
             </a:fld>
             <a:endParaRPr lang="ko-KR" altLang="en-US"/>
           </a:p>
@@ -859,7 +867,7 @@
           <a:p>
             <a:fld id="{772F5193-41CD-4063-B0C7-05E32D5C3CCF}" type="datetimeFigureOut">
               <a:rPr lang="ko-KR" altLang="en-US" smtClean="0"/>
-              <a:t>2025-06-10</a:t>
+              <a:t>2025-06-17</a:t>
             </a:fld>
             <a:endParaRPr lang="ko-KR" altLang="en-US"/>
           </a:p>
@@ -933,7 +941,7 @@
 </file>
 
 <file path=ppt/slideLayouts/slideLayout3.xml><?xml version="1.0" encoding="utf-8"?>
-<p:sldLayout xmlns:r="http://schemas.openxmlformats.org/officeDocument/2006/relationships" xmlns:c="http://schemas.openxmlformats.org/drawingml/2006/chart" xmlns:a="http://schemas.openxmlformats.org/drawingml/2006/main" xmlns:dgm="http://schemas.openxmlformats.org/drawingml/2006/diagram" xmlns:dsp="http://schemas.microsoft.com/office/drawing/2008/diagram" xmlns:p="http://schemas.openxmlformats.org/presentationml/2006/main" showMasterPhAnim="1" matchingName="Slide 6 master" preserve="1">
+<p:sldLayout xmlns:a="http://schemas.openxmlformats.org/drawingml/2006/main" xmlns:r="http://schemas.openxmlformats.org/officeDocument/2006/relationships" xmlns:p="http://schemas.openxmlformats.org/presentationml/2006/main" matchingName="Slide 6 master" preserve="1">
   <p:cSld name="Slide 6 master">
     <p:spTree>
       <p:nvGrpSpPr>
@@ -964,12 +972,13 @@
             <a:avLst/>
           </a:prstGeom>
           <a:solidFill>
-            <a:srgbClr val="ededed"/>
+            <a:srgbClr val="EDEDED"/>
           </a:solidFill>
           <a:ln/>
         </p:spPr>
         <p:txBody>
           <a:bodyPr anchor="ctr"/>
+          <a:lstStyle/>
           <a:p>
             <a:pPr algn="ctr">
               <a:defRPr lang="ko-KR" altLang="en-US"/>
@@ -993,12 +1002,13 @@
             <a:avLst/>
           </a:prstGeom>
           <a:solidFill>
-            <a:srgbClr val="ffffff"/>
+            <a:srgbClr val="FFFFFF"/>
           </a:solidFill>
           <a:ln/>
         </p:spPr>
         <p:txBody>
           <a:bodyPr anchor="ctr"/>
+          <a:lstStyle/>
           <a:p>
             <a:pPr algn="ctr">
               <a:defRPr lang="ko-KR" altLang="en-US"/>
@@ -1038,12 +1048,12 @@
   <p:clrMapOvr>
     <a:masterClrMapping/>
   </p:clrMapOvr>
-  <p:transition xmlns:mc="http://schemas.openxmlformats.org/markup-compatibility/2006" xmlns:hp="http://schemas.haansoft.com/office/presentation/8.0" mc:Ignorable="hp" hp:hslDur="500"/>
+  <p:transition/>
 </p:sldLayout>
 </file>
 
 <file path=ppt/slideMasters/slideMaster1.xml><?xml version="1.0" encoding="utf-8"?>
-<p:sldMaster xmlns:r="http://schemas.openxmlformats.org/officeDocument/2006/relationships" xmlns:c="http://schemas.openxmlformats.org/drawingml/2006/chart" xmlns:a="http://schemas.openxmlformats.org/drawingml/2006/main" xmlns:dgm="http://schemas.openxmlformats.org/drawingml/2006/diagram" xmlns:dsp="http://schemas.microsoft.com/office/drawing/2008/diagram" xmlns:p="http://schemas.openxmlformats.org/presentationml/2006/main">
+<p:sldMaster xmlns:a="http://schemas.openxmlformats.org/drawingml/2006/main" xmlns:r="http://schemas.openxmlformats.org/officeDocument/2006/relationships" xmlns:p="http://schemas.openxmlformats.org/presentationml/2006/main">
   <p:cSld name="Office 테마">
     <p:bg>
       <p:bgRef idx="1001">
@@ -1071,7 +1081,7 @@
             <a:spLocks noGrp="1"/>
           </p:cNvSpPr>
           <p:nvPr>
-            <p:ph type="title" idx="0"/>
+            <p:ph type="title"/>
           </p:nvPr>
         </p:nvSpPr>
         <p:spPr>
@@ -1085,7 +1095,7 @@
         </p:spPr>
         <p:txBody>
           <a:bodyPr vert="horz" lIns="91440" tIns="45720" rIns="91440" bIns="45720" anchor="ctr">
-            <a:normAutofit lnSpcReduction="0"/>
+            <a:normAutofit/>
           </a:bodyPr>
           <a:lstStyle/>
           <a:p>
@@ -1096,7 +1106,6 @@
               <a:rPr lang="ko-KR" altLang="en-US"/>
               <a:t>마스터 제목 스타일 편집</a:t>
             </a:r>
-            <a:endParaRPr lang="ko-KR" altLang="en-US"/>
           </a:p>
         </p:txBody>
       </p:sp>
@@ -1121,7 +1130,7 @@
         </p:spPr>
         <p:txBody>
           <a:bodyPr vert="horz" lIns="91440" tIns="45720" rIns="91440" bIns="45720">
-            <a:normAutofit lnSpcReduction="0"/>
+            <a:normAutofit/>
           </a:bodyPr>
           <a:lstStyle/>
           <a:p>
@@ -1132,7 +1141,6 @@
               <a:rPr lang="ko-KR" altLang="en-US"/>
               <a:t>마스터 텍스트 스타일을 편집하려면 클릭</a:t>
             </a:r>
-            <a:endParaRPr lang="ko-KR" altLang="en-US"/>
           </a:p>
           <a:p>
             <a:pPr lvl="1">
@@ -1142,7 +1150,6 @@
               <a:rPr lang="ko-KR" altLang="en-US"/>
               <a:t>두 번째 수준</a:t>
             </a:r>
-            <a:endParaRPr lang="ko-KR" altLang="en-US"/>
           </a:p>
           <a:p>
             <a:pPr lvl="2">
@@ -1152,7 +1159,6 @@
               <a:rPr lang="ko-KR" altLang="en-US"/>
               <a:t>세 번째 수준</a:t>
             </a:r>
-            <a:endParaRPr lang="ko-KR" altLang="en-US"/>
           </a:p>
           <a:p>
             <a:pPr lvl="3">
@@ -1162,7 +1168,6 @@
               <a:rPr lang="ko-KR" altLang="en-US"/>
               <a:t>네 번째 수준</a:t>
             </a:r>
-            <a:endParaRPr lang="ko-KR" altLang="en-US"/>
           </a:p>
           <a:p>
             <a:pPr lvl="4">
@@ -1172,7 +1177,6 @@
               <a:rPr lang="ko-KR" altLang="en-US"/>
               <a:t>다섯 번째 수준</a:t>
             </a:r>
-            <a:endParaRPr lang="ko-KR" altLang="en-US"/>
           </a:p>
         </p:txBody>
       </p:sp>
@@ -1217,7 +1221,7 @@
               <a:pPr lvl="0">
                 <a:defRPr lang="ko-KR" altLang="en-US"/>
               </a:pPr>
-              <a:t>2025-06-12</a:t>
+              <a:t>2025-06-17</a:t>
             </a:fld>
             <a:endParaRPr lang="ko-KR" altLang="en-US"/>
           </a:p>
@@ -1259,10 +1263,6 @@
             <a:pPr lvl="0">
               <a:defRPr lang="ko-KR" altLang="en-US"/>
             </a:pPr>
-            <a:r>
-              <a:rPr lang="ko-KR" altLang="en-US"/>
-              <a:t/>
-            </a:r>
             <a:endParaRPr lang="ko-KR" altLang="en-US"/>
           </a:p>
         </p:txBody>
@@ -1322,7 +1322,7 @@
     <p:sldLayoutId id="2147483666" r:id="rId2"/>
     <p:sldLayoutId id="2147483667" r:id="rId3"/>
   </p:sldLayoutIdLst>
-  <p:transition xmlns:mc="http://schemas.openxmlformats.org/markup-compatibility/2006" xmlns:hp="http://schemas.haansoft.com/office/presentation/8.0" mc:Ignorable="hp" hp:hslDur="500"/>
+  <p:transition/>
   <p:txStyles>
     <p:titleStyle>
       <a:lvl1pPr algn="l" defTabSz="914400" rtl="0" eaLnBrk="1" latinLnBrk="1" hangingPunct="1">
@@ -1607,13 +1607,14 @@
 </file>
 
 <file path=ppt/slides/slide1.xml><?xml version="1.0" encoding="utf-8"?>
-<p:sld xmlns:r="http://schemas.openxmlformats.org/officeDocument/2006/relationships" xmlns:c="http://schemas.openxmlformats.org/drawingml/2006/chart" xmlns:a="http://schemas.openxmlformats.org/drawingml/2006/main" xmlns:dgm="http://schemas.openxmlformats.org/drawingml/2006/diagram" xmlns:dsp="http://schemas.microsoft.com/office/drawing/2008/diagram" xmlns:p="http://schemas.openxmlformats.org/presentationml/2006/main">
+<p:sld xmlns:a="http://schemas.openxmlformats.org/drawingml/2006/main" xmlns:r="http://schemas.openxmlformats.org/officeDocument/2006/relationships" xmlns:p="http://schemas.openxmlformats.org/presentationml/2006/main">
   <p:cSld>
     <p:bg>
-      <p:bgPr shadeToTitle="0">
+      <p:bgPr>
         <a:solidFill>
           <a:schemeClr val="accent1"/>
         </a:solidFill>
+        <a:effectLst/>
       </p:bgPr>
     </p:bg>
     <p:spTree>
@@ -1688,13 +1689,6 @@
               </a:rPr>
               <a:t>개발 계획서</a:t>
             </a:r>
-            <a:endParaRPr lang="ko-KR" altLang="en-US" sz="4400" b="1" spc="-136">
-              <a:solidFill>
-                <a:schemeClr val="bg1"/>
-              </a:solidFill>
-              <a:latin typeface="나눔고딕 ExtraBold"/>
-              <a:ea typeface="나눔고딕 ExtraBold"/>
-            </a:endParaRPr>
           </a:p>
           <a:p>
             <a:pPr>
@@ -1713,13 +1707,6 @@
               </a:rPr>
               <a:t>유태현</a:t>
             </a:r>
-            <a:endParaRPr lang="ko-KR" altLang="en-US" sz="3000" spc="-155">
-              <a:solidFill>
-                <a:schemeClr val="bg1"/>
-              </a:solidFill>
-              <a:latin typeface="나눔고딕"/>
-              <a:ea typeface="나눔고딕"/>
-            </a:endParaRPr>
           </a:p>
         </p:txBody>
       </p:sp>
@@ -1850,14 +1837,6 @@
               </a:rPr>
               <a:t>수입의 관리와 통계  </a:t>
             </a:r>
-            <a:endParaRPr lang="ko-KR" altLang="en-US" sz="1400" b="1">
-              <a:solidFill>
-                <a:schemeClr val="bg1"/>
-              </a:solidFill>
-              <a:latin typeface="나눔고딕 ExtraBold"/>
-              <a:ea typeface="나눔고딕 ExtraBold"/>
-              <a:cs typeface="Source Sans Pro"/>
-            </a:endParaRPr>
           </a:p>
           <a:p>
             <a:pPr>
@@ -1921,14 +1900,6 @@
               </a:rPr>
               <a:t>주간 개발  </a:t>
             </a:r>
-            <a:endParaRPr lang="ko-KR" altLang="en-US" sz="1400" b="1">
-              <a:solidFill>
-                <a:schemeClr val="bg1"/>
-              </a:solidFill>
-              <a:latin typeface="나눔고딕 ExtraBold"/>
-              <a:ea typeface="나눔고딕 ExtraBold"/>
-              <a:cs typeface="Source Sans Pro"/>
-            </a:endParaRPr>
           </a:p>
           <a:p>
             <a:pPr>
@@ -2014,14 +1985,6 @@
               </a:rPr>
               <a:t>개발 일정 등</a:t>
             </a:r>
-            <a:endParaRPr lang="ko-KR" altLang="en-US" sz="1400" b="1">
-              <a:solidFill>
-                <a:schemeClr val="bg1"/>
-              </a:solidFill>
-              <a:latin typeface="나눔고딕 ExtraBold"/>
-              <a:ea typeface="나눔고딕 ExtraBold"/>
-              <a:cs typeface="Source Sans Pro"/>
-            </a:endParaRPr>
           </a:p>
           <a:p>
             <a:pPr lvl="0">
@@ -2077,18 +2040,19 @@
   <p:clrMapOvr>
     <a:masterClrMapping/>
   </p:clrMapOvr>
-  <p:transition xmlns:mc="http://schemas.openxmlformats.org/markup-compatibility/2006" xmlns:hp="http://schemas.haansoft.com/office/presentation/8.0" mc:Ignorable="hp" hp:hslDur="500"/>
+  <p:transition/>
 </p:sld>
 </file>
 
 <file path=ppt/slides/slide10.xml><?xml version="1.0" encoding="utf-8"?>
-<p:sld xmlns:r="http://schemas.openxmlformats.org/officeDocument/2006/relationships" xmlns:c="http://schemas.openxmlformats.org/drawingml/2006/chart" xmlns:a="http://schemas.openxmlformats.org/drawingml/2006/main" xmlns:dgm="http://schemas.openxmlformats.org/drawingml/2006/diagram" xmlns:dsp="http://schemas.microsoft.com/office/drawing/2008/diagram" xmlns:p="http://schemas.openxmlformats.org/presentationml/2006/main">
+<p:sld xmlns:a="http://schemas.openxmlformats.org/drawingml/2006/main" xmlns:r="http://schemas.openxmlformats.org/officeDocument/2006/relationships" xmlns:p="http://schemas.openxmlformats.org/presentationml/2006/main">
   <p:cSld>
     <p:bg>
-      <p:bgPr shadeToTitle="0">
+      <p:bgPr>
         <a:solidFill>
-          <a:srgbClr val="718ea0"/>
+          <a:srgbClr val="718EA0"/>
         </a:solidFill>
+        <a:effectLst/>
       </p:bgPr>
     </p:bg>
     <p:spTree>
@@ -2163,11 +2127,6 @@
               </a:rPr>
               <a:t>감사합니다</a:t>
             </a:r>
-            <a:endParaRPr lang="ko-KR" altLang="en-US" sz="3200" b="1">
-              <a:solidFill>
-                <a:schemeClr val="bg1"/>
-              </a:solidFill>
-            </a:endParaRPr>
           </a:p>
         </p:txBody>
       </p:sp>
@@ -2176,20 +2135,21 @@
   <p:clrMapOvr>
     <a:masterClrMapping/>
   </p:clrMapOvr>
-  <p:transition xmlns:mc="http://schemas.openxmlformats.org/markup-compatibility/2006" xmlns:hp="http://schemas.haansoft.com/office/presentation/8.0" mc:Ignorable="hp" hp:hslDur="500"/>
+  <p:transition/>
 </p:sld>
 </file>
 
 <file path=ppt/slides/slide2.xml><?xml version="1.0" encoding="utf-8"?>
-<p:sld xmlns:r="http://schemas.openxmlformats.org/officeDocument/2006/relationships" xmlns:c="http://schemas.openxmlformats.org/drawingml/2006/chart" xmlns:a="http://schemas.openxmlformats.org/drawingml/2006/main" xmlns:dgm="http://schemas.openxmlformats.org/drawingml/2006/diagram" xmlns:dsp="http://schemas.microsoft.com/office/drawing/2008/diagram" xmlns:p="http://schemas.openxmlformats.org/presentationml/2006/main">
+<p:sld xmlns:a="http://schemas.openxmlformats.org/drawingml/2006/main" xmlns:r="http://schemas.openxmlformats.org/officeDocument/2006/relationships" xmlns:p="http://schemas.openxmlformats.org/presentationml/2006/main">
   <p:cSld>
     <p:bg>
-      <p:bgPr shadeToTitle="0">
+      <p:bgPr>
         <a:solidFill>
           <a:schemeClr val="bg1">
             <a:lumMod val="95000"/>
           </a:schemeClr>
         </a:solidFill>
+        <a:effectLst/>
       </p:bgPr>
     </p:bg>
     <p:spTree>
@@ -2340,13 +2300,6 @@
               </a:rPr>
               <a:t>목차</a:t>
             </a:r>
-            <a:endParaRPr lang="ko-KR" altLang="en-US" sz="3600" b="1">
-              <a:solidFill>
-                <a:schemeClr val="accent1"/>
-              </a:solidFill>
-              <a:latin typeface="나눔고딕 ExtraBold"/>
-              <a:ea typeface="나눔고딕 ExtraBold"/>
-            </a:endParaRPr>
           </a:p>
         </p:txBody>
       </p:sp>
@@ -2395,13 +2348,6 @@
               </a:rPr>
               <a:t>프로젝트 개요</a:t>
             </a:r>
-            <a:endParaRPr lang="ko-KR" altLang="en-US" sz="2500" b="1" spc="-305">
-              <a:solidFill>
-                <a:schemeClr val="accent1"/>
-              </a:solidFill>
-              <a:latin typeface="나눔고딕"/>
-              <a:ea typeface="나눔고딕"/>
-            </a:endParaRPr>
           </a:p>
         </p:txBody>
       </p:sp>
@@ -2535,13 +2481,6 @@
               </a:rPr>
               <a:t>요구사항 분석</a:t>
             </a:r>
-            <a:endParaRPr lang="ko-KR" altLang="en-US" sz="2500" b="1" spc="-305">
-              <a:solidFill>
-                <a:schemeClr val="accent1"/>
-              </a:solidFill>
-              <a:latin typeface="나눔고딕"/>
-              <a:ea typeface="나눔고딕"/>
-            </a:endParaRPr>
           </a:p>
         </p:txBody>
       </p:sp>
@@ -2590,13 +2529,6 @@
               </a:rPr>
               <a:t>개발 일정</a:t>
             </a:r>
-            <a:endParaRPr lang="ko-KR" altLang="en-US" sz="2500" b="1" spc="-305">
-              <a:solidFill>
-                <a:schemeClr val="accent1"/>
-              </a:solidFill>
-              <a:latin typeface="나눔고딕"/>
-              <a:ea typeface="나눔고딕"/>
-            </a:endParaRPr>
           </a:p>
         </p:txBody>
       </p:sp>
@@ -2645,13 +2577,6 @@
               </a:rPr>
               <a:t>리소스 계획</a:t>
             </a:r>
-            <a:endParaRPr lang="ko-KR" altLang="en-US" sz="2500" b="1" spc="-305">
-              <a:solidFill>
-                <a:schemeClr val="accent1"/>
-              </a:solidFill>
-              <a:latin typeface="나눔고딕"/>
-              <a:ea typeface="나눔고딕"/>
-            </a:endParaRPr>
           </a:p>
         </p:txBody>
       </p:sp>
@@ -2700,13 +2625,6 @@
               </a:rPr>
               <a:t>리스크 관리</a:t>
             </a:r>
-            <a:endParaRPr lang="ko-KR" altLang="en-US" sz="2500" b="1" spc="-305">
-              <a:solidFill>
-                <a:schemeClr val="accent1"/>
-              </a:solidFill>
-              <a:latin typeface="나눔고딕"/>
-              <a:ea typeface="나눔고딕"/>
-            </a:endParaRPr>
           </a:p>
         </p:txBody>
       </p:sp>
@@ -2755,13 +2673,6 @@
               </a:rPr>
               <a:t>커뮤니케이션 계획</a:t>
             </a:r>
-            <a:endParaRPr lang="ko-KR" altLang="en-US" sz="2500" b="1" spc="-305">
-              <a:solidFill>
-                <a:schemeClr val="accent1"/>
-              </a:solidFill>
-              <a:latin typeface="나눔고딕"/>
-              <a:ea typeface="나눔고딕"/>
-            </a:endParaRPr>
           </a:p>
         </p:txBody>
       </p:sp>
@@ -2810,13 +2721,6 @@
               </a:rPr>
               <a:t>요약 및 마무리</a:t>
             </a:r>
-            <a:endParaRPr lang="ko-KR" altLang="en-US" sz="2500" b="1" spc="-305">
-              <a:solidFill>
-                <a:schemeClr val="accent1"/>
-              </a:solidFill>
-              <a:latin typeface="나눔고딕"/>
-              <a:ea typeface="나눔고딕"/>
-            </a:endParaRPr>
           </a:p>
         </p:txBody>
       </p:sp>
@@ -2920,12 +2824,12 @@
   <p:clrMapOvr>
     <a:masterClrMapping/>
   </p:clrMapOvr>
-  <p:transition xmlns:mc="http://schemas.openxmlformats.org/markup-compatibility/2006" xmlns:hp="http://schemas.haansoft.com/office/presentation/8.0" mc:Ignorable="hp" hp:hslDur="500"/>
+  <p:transition/>
 </p:sld>
 </file>
 
 <file path=ppt/slides/slide3.xml><?xml version="1.0" encoding="utf-8"?>
-<p:sld xmlns:r="http://schemas.openxmlformats.org/officeDocument/2006/relationships" xmlns:c="http://schemas.openxmlformats.org/drawingml/2006/chart" xmlns:a="http://schemas.openxmlformats.org/drawingml/2006/main" xmlns:dgm="http://schemas.openxmlformats.org/drawingml/2006/diagram" xmlns:dsp="http://schemas.microsoft.com/office/drawing/2008/diagram" xmlns:p="http://schemas.openxmlformats.org/presentationml/2006/main">
+<p:sld xmlns:a="http://schemas.openxmlformats.org/drawingml/2006/main" xmlns:r="http://schemas.openxmlformats.org/officeDocument/2006/relationships" xmlns:p="http://schemas.openxmlformats.org/presentationml/2006/main">
   <p:cSld>
     <p:spTree>
       <p:nvGrpSpPr>
@@ -3030,14 +2934,33 @@
                 <a:tableStyleId>{5C22544A-7EE6-4342-B048-85BDC9FD1C3A}</a:tableStyleId>
               </a:tblPr>
               <a:tblGrid>
-                <a:gridCol w="1814284"/>
-                <a:gridCol w="4480675"/>
-                <a:gridCol w="4480675"/>
+                <a:gridCol w="1814284">
+                  <a:extLst>
+                    <a:ext uri="{9D8B030D-6E8A-4147-A177-3AD203B41FA5}">
+                      <a16:colId xmlns:a16="http://schemas.microsoft.com/office/drawing/2014/main" val="20000"/>
+                    </a:ext>
+                  </a:extLst>
+                </a:gridCol>
+                <a:gridCol w="4480675">
+                  <a:extLst>
+                    <a:ext uri="{9D8B030D-6E8A-4147-A177-3AD203B41FA5}">
+                      <a16:colId xmlns:a16="http://schemas.microsoft.com/office/drawing/2014/main" val="20001"/>
+                    </a:ext>
+                  </a:extLst>
+                </a:gridCol>
+                <a:gridCol w="4480675">
+                  <a:extLst>
+                    <a:ext uri="{9D8B030D-6E8A-4147-A177-3AD203B41FA5}">
+                      <a16:colId xmlns:a16="http://schemas.microsoft.com/office/drawing/2014/main" val="20002"/>
+                    </a:ext>
+                  </a:extLst>
+                </a:gridCol>
               </a:tblGrid>
               <a:tr h="696461">
                 <a:tc>
                   <a:txBody>
-                    <a:bodyPr vert="horz" lIns="91440" tIns="45720" rIns="91440" bIns="45720" anchor="ctr" anchorCtr="0"/>
+                    <a:bodyPr/>
+                    <a:lstStyle/>
                     <a:p>
                       <a:pPr algn="ctr" latinLnBrk="1">
                         <a:defRPr lang="ko-KR" altLang="en-US"/>
@@ -3052,16 +2975,9 @@
                         </a:rPr>
                         <a:t>Screens</a:t>
                       </a:r>
-                      <a:endParaRPr lang="en-US" altLang="ko-KR">
-                        <a:solidFill>
-                          <a:schemeClr val="accent1"/>
-                        </a:solidFill>
-                        <a:latin typeface="나눔고딕"/>
-                        <a:ea typeface="나눔고딕"/>
-                      </a:endParaRPr>
                     </a:p>
                   </a:txBody>
-                  <a:tcPr marL="91440" marR="91440" anchor="ctr">
+                  <a:tcPr anchor="ctr">
                     <a:lnL w="12700" cmpd="sng">
                       <a:noFill/>
                     </a:lnL>
@@ -3113,7 +3029,8 @@
                 </a:tc>
                 <a:tc>
                   <a:txBody>
-                    <a:bodyPr vert="horz" lIns="91440" tIns="45720" rIns="91440" bIns="45720" anchor="ctr" anchorCtr="0"/>
+                    <a:bodyPr/>
+                    <a:lstStyle/>
                     <a:p>
                       <a:pPr algn="ctr" latinLnBrk="1">
                         <a:defRPr lang="ko-KR" altLang="en-US"/>
@@ -3128,16 +3045,9 @@
                         </a:rPr>
                         <a:t>기능</a:t>
                       </a:r>
-                      <a:endParaRPr lang="ko-KR" altLang="en-US">
-                        <a:solidFill>
-                          <a:schemeClr val="accent1"/>
-                        </a:solidFill>
-                        <a:latin typeface="나눔고딕"/>
-                        <a:ea typeface="나눔고딕"/>
-                      </a:endParaRPr>
                     </a:p>
                   </a:txBody>
-                  <a:tcPr marL="91440" marR="91440" anchor="ctr">
+                  <a:tcPr anchor="ctr">
                     <a:lnL w="9525" cap="flat" cmpd="sng" algn="ctr">
                       <a:solidFill>
                         <a:schemeClr val="tx1">
@@ -3196,7 +3106,8 @@
                 </a:tc>
                 <a:tc>
                   <a:txBody>
-                    <a:bodyPr vert="horz" lIns="91440" tIns="45720" rIns="91440" bIns="45720" anchor="ctr" anchorCtr="0"/>
+                    <a:bodyPr/>
+                    <a:lstStyle/>
                     <a:p>
                       <a:pPr algn="ctr" latinLnBrk="1">
                         <a:defRPr lang="ko-KR" altLang="en-US"/>
@@ -3211,16 +3122,9 @@
                         </a:rPr>
                         <a:t>목표</a:t>
                       </a:r>
-                      <a:endParaRPr lang="ko-KR" altLang="en-US">
-                        <a:solidFill>
-                          <a:schemeClr val="accent1"/>
-                        </a:solidFill>
-                        <a:latin typeface="나눔고딕"/>
-                        <a:ea typeface="나눔고딕"/>
-                      </a:endParaRPr>
                     </a:p>
                   </a:txBody>
-                  <a:tcPr marL="91440" marR="91440" anchor="ctr">
+                  <a:tcPr anchor="ctr">
                     <a:lnL w="9525" cap="flat" cmpd="sng" algn="ctr">
                       <a:solidFill>
                         <a:schemeClr val="tx1">
@@ -3270,11 +3174,17 @@
                     </a:solidFill>
                   </a:tcPr>
                 </a:tc>
+                <a:extLst>
+                  <a:ext uri="{0D108BD9-81ED-4DB2-BD59-A6C34878D82A}">
+                    <a16:rowId xmlns:a16="http://schemas.microsoft.com/office/drawing/2014/main" val="10000"/>
+                  </a:ext>
+                </a:extLst>
               </a:tr>
               <a:tr h="706815">
                 <a:tc>
                   <a:txBody>
-                    <a:bodyPr vert="horz" lIns="91440" tIns="45720" rIns="91440" bIns="45720" anchor="ctr" anchorCtr="0"/>
+                    <a:bodyPr/>
+                    <a:lstStyle/>
                     <a:p>
                       <a:pPr algn="ctr" latinLnBrk="1">
                         <a:defRPr lang="ko-KR" altLang="en-US"/>
@@ -3289,16 +3199,9 @@
                         </a:rPr>
                         <a:t>Homepage</a:t>
                       </a:r>
-                      <a:endParaRPr lang="en-US" altLang="ko-KR">
-                        <a:solidFill>
-                          <a:schemeClr val="accent1"/>
-                        </a:solidFill>
-                        <a:latin typeface="나눔고딕"/>
-                        <a:ea typeface="나눔고딕"/>
-                      </a:endParaRPr>
                     </a:p>
                   </a:txBody>
-                  <a:tcPr marL="91440" marR="91440" anchor="ctr">
+                  <a:tcPr anchor="ctr">
                     <a:lnL w="12700" cmpd="sng">
                       <a:noFill/>
                     </a:lnL>
@@ -3347,7 +3250,8 @@
                 </a:tc>
                 <a:tc>
                   <a:txBody>
-                    <a:bodyPr vert="horz" lIns="91440" tIns="45720" rIns="91440" bIns="45720" anchor="ctr" anchorCtr="0"/>
+                    <a:bodyPr/>
+                    <a:lstStyle/>
                     <a:p>
                       <a:pPr algn="ctr" latinLnBrk="1">
                         <a:defRPr lang="ko-KR" altLang="en-US"/>
@@ -3362,16 +3266,9 @@
                         </a:rPr>
                         <a:t>앱 실행시의 메인 페이지</a:t>
                       </a:r>
-                      <a:endParaRPr lang="ko-KR" altLang="en-US">
-                        <a:solidFill>
-                          <a:schemeClr val="accent1"/>
-                        </a:solidFill>
-                        <a:latin typeface="나눔고딕"/>
-                        <a:ea typeface="나눔고딕"/>
-                      </a:endParaRPr>
                     </a:p>
                   </a:txBody>
-                  <a:tcPr marL="91440" marR="91440" anchor="ctr">
+                  <a:tcPr anchor="ctr">
                     <a:lnL w="9525" cap="flat" cmpd="sng" algn="ctr">
                       <a:solidFill>
                         <a:schemeClr val="tx1">
@@ -3427,7 +3324,8 @@
                 </a:tc>
                 <a:tc>
                   <a:txBody>
-                    <a:bodyPr vert="horz" lIns="91440" tIns="45720" rIns="91440" bIns="45720" anchor="ctr" anchorCtr="0"/>
+                    <a:bodyPr/>
+                    <a:lstStyle/>
                     <a:p>
                       <a:pPr algn="ctr" latinLnBrk="1">
                         <a:defRPr lang="ko-KR" altLang="en-US"/>
@@ -3442,16 +3340,9 @@
                         </a:rPr>
                         <a:t>오늘의 메모, 지출, 수입의 정보 표시</a:t>
                       </a:r>
-                      <a:endParaRPr lang="ko-KR" altLang="en-US">
-                        <a:solidFill>
-                          <a:schemeClr val="accent1"/>
-                        </a:solidFill>
-                        <a:latin typeface="나눔고딕"/>
-                        <a:ea typeface="나눔고딕"/>
-                      </a:endParaRPr>
                     </a:p>
                   </a:txBody>
-                  <a:tcPr marL="91440" marR="91440" anchor="ctr">
+                  <a:tcPr anchor="ctr">
                     <a:lnL w="9525" cap="flat" cmpd="sng" algn="ctr">
                       <a:solidFill>
                         <a:schemeClr val="tx1">
@@ -3498,11 +3389,17 @@
                     </a:solidFill>
                   </a:tcPr>
                 </a:tc>
+                <a:extLst>
+                  <a:ext uri="{0D108BD9-81ED-4DB2-BD59-A6C34878D82A}">
+                    <a16:rowId xmlns:a16="http://schemas.microsoft.com/office/drawing/2014/main" val="10001"/>
+                  </a:ext>
+                </a:extLst>
               </a:tr>
               <a:tr h="706815">
                 <a:tc>
                   <a:txBody>
-                    <a:bodyPr vert="horz" lIns="91440" tIns="45720" rIns="91440" bIns="45720" anchor="ctr" anchorCtr="0"/>
+                    <a:bodyPr/>
+                    <a:lstStyle/>
                     <a:p>
                       <a:pPr algn="ctr" latinLnBrk="1">
                         <a:defRPr lang="ko-KR" altLang="en-US"/>
@@ -3517,16 +3414,9 @@
                         </a:rPr>
                         <a:t>DiaryPage</a:t>
                       </a:r>
-                      <a:endParaRPr lang="en-US" altLang="ko-KR">
-                        <a:solidFill>
-                          <a:schemeClr val="accent1"/>
-                        </a:solidFill>
-                        <a:latin typeface="나눔고딕"/>
-                        <a:ea typeface="나눔고딕"/>
-                      </a:endParaRPr>
                     </a:p>
                   </a:txBody>
-                  <a:tcPr marL="91440" marR="91440" anchor="ctr">
+                  <a:tcPr anchor="ctr">
                     <a:lnL w="12700" cmpd="sng">
                       <a:noFill/>
                     </a:lnL>
@@ -3575,7 +3465,8 @@
                 </a:tc>
                 <a:tc>
                   <a:txBody>
-                    <a:bodyPr vert="horz" lIns="91440" tIns="45720" rIns="91440" bIns="45720" anchor="ctr" anchorCtr="0"/>
+                    <a:bodyPr/>
+                    <a:lstStyle/>
                     <a:p>
                       <a:pPr algn="ctr" latinLnBrk="1">
                         <a:defRPr lang="ko-KR" altLang="en-US"/>
@@ -3590,16 +3481,9 @@
                         </a:rPr>
                         <a:t>메모를 기록할 수 있는 페이지</a:t>
                       </a:r>
-                      <a:endParaRPr lang="ko-KR" altLang="en-US">
-                        <a:solidFill>
-                          <a:schemeClr val="accent1"/>
-                        </a:solidFill>
-                        <a:latin typeface="나눔고딕"/>
-                        <a:ea typeface="나눔고딕"/>
-                      </a:endParaRPr>
                     </a:p>
                   </a:txBody>
-                  <a:tcPr marL="91440" marR="91440" anchor="ctr">
+                  <a:tcPr anchor="ctr">
                     <a:lnL w="9525" cap="flat" cmpd="sng" algn="ctr">
                       <a:solidFill>
                         <a:schemeClr val="tx1">
@@ -3655,7 +3539,8 @@
                 </a:tc>
                 <a:tc>
                   <a:txBody>
-                    <a:bodyPr vert="horz" lIns="91440" tIns="45720" rIns="91440" bIns="45720" anchor="ctr" anchorCtr="0"/>
+                    <a:bodyPr/>
+                    <a:lstStyle/>
                     <a:p>
                       <a:pPr algn="ctr" latinLnBrk="1">
                         <a:defRPr lang="ko-KR" altLang="en-US"/>
@@ -3670,16 +3555,9 @@
                         </a:rPr>
                         <a:t>선택한 요일의 메모를 저장 및 삭제</a:t>
                       </a:r>
-                      <a:endParaRPr lang="ko-KR" altLang="en-US">
-                        <a:solidFill>
-                          <a:schemeClr val="accent1"/>
-                        </a:solidFill>
-                        <a:latin typeface="나눔고딕"/>
-                        <a:ea typeface="나눔고딕"/>
-                      </a:endParaRPr>
                     </a:p>
                   </a:txBody>
-                  <a:tcPr marL="91440" marR="91440" anchor="ctr">
+                  <a:tcPr anchor="ctr">
                     <a:lnL w="9525" cap="flat" cmpd="sng" algn="ctr">
                       <a:solidFill>
                         <a:schemeClr val="tx1">
@@ -3726,11 +3604,17 @@
                     </a:solidFill>
                   </a:tcPr>
                 </a:tc>
+                <a:extLst>
+                  <a:ext uri="{0D108BD9-81ED-4DB2-BD59-A6C34878D82A}">
+                    <a16:rowId xmlns:a16="http://schemas.microsoft.com/office/drawing/2014/main" val="10002"/>
+                  </a:ext>
+                </a:extLst>
               </a:tr>
               <a:tr h="706815">
                 <a:tc>
                   <a:txBody>
-                    <a:bodyPr vert="horz" lIns="91440" tIns="45720" rIns="91440" bIns="45720" anchor="ctr" anchorCtr="0"/>
+                    <a:bodyPr/>
+                    <a:lstStyle/>
                     <a:p>
                       <a:pPr algn="ctr" latinLnBrk="1">
                         <a:defRPr lang="ko-KR" altLang="en-US"/>
@@ -3745,16 +3629,9 @@
                         </a:rPr>
                         <a:t>ExpensePage</a:t>
                       </a:r>
-                      <a:endParaRPr lang="en-US" altLang="ko-KR">
-                        <a:solidFill>
-                          <a:schemeClr val="accent1"/>
-                        </a:solidFill>
-                        <a:latin typeface="나눔고딕"/>
-                        <a:ea typeface="나눔고딕"/>
-                      </a:endParaRPr>
                     </a:p>
                   </a:txBody>
-                  <a:tcPr marL="91440" marR="91440" anchor="ctr">
+                  <a:tcPr anchor="ctr">
                     <a:lnL w="12700" cmpd="sng">
                       <a:noFill/>
                     </a:lnL>
@@ -3803,7 +3680,8 @@
                 </a:tc>
                 <a:tc>
                   <a:txBody>
-                    <a:bodyPr vert="horz" lIns="91440" tIns="45720" rIns="91440" bIns="45720" anchor="ctr" anchorCtr="0"/>
+                    <a:bodyPr/>
+                    <a:lstStyle/>
                     <a:p>
                       <a:pPr algn="ctr" latinLnBrk="1">
                         <a:defRPr lang="ko-KR" altLang="en-US"/>
@@ -3818,16 +3696,9 @@
                         </a:rPr>
                         <a:t>지출 및 수입을 기록할 수 있는 페이지</a:t>
                       </a:r>
-                      <a:endParaRPr lang="ko-KR" altLang="en-US">
-                        <a:solidFill>
-                          <a:schemeClr val="accent1"/>
-                        </a:solidFill>
-                        <a:latin typeface="나눔고딕"/>
-                        <a:ea typeface="나눔고딕"/>
-                      </a:endParaRPr>
                     </a:p>
                   </a:txBody>
-                  <a:tcPr marL="91440" marR="91440" anchor="ctr">
+                  <a:tcPr anchor="ctr">
                     <a:lnL w="9525" cap="flat" cmpd="sng" algn="ctr">
                       <a:solidFill>
                         <a:schemeClr val="tx1">
@@ -3883,7 +3754,8 @@
                 </a:tc>
                 <a:tc>
                   <a:txBody>
-                    <a:bodyPr vert="horz" lIns="91440" tIns="45720" rIns="91440" bIns="45720" anchor="ctr" anchorCtr="0"/>
+                    <a:bodyPr/>
+                    <a:lstStyle/>
                     <a:p>
                       <a:pPr algn="ctr" latinLnBrk="1">
                         <a:defRPr lang="ko-KR" altLang="en-US"/>
@@ -3898,16 +3770,9 @@
                         </a:rPr>
                         <a:t>선택한 요일의 지출, 수입을 저장 및 삭제</a:t>
                       </a:r>
-                      <a:endParaRPr lang="ko-KR" altLang="en-US">
-                        <a:solidFill>
-                          <a:schemeClr val="accent1"/>
-                        </a:solidFill>
-                        <a:latin typeface="나눔고딕"/>
-                        <a:ea typeface="나눔고딕"/>
-                      </a:endParaRPr>
                     </a:p>
                   </a:txBody>
-                  <a:tcPr marL="91440" marR="91440" anchor="ctr">
+                  <a:tcPr anchor="ctr">
                     <a:lnL w="9525" cap="flat" cmpd="sng" algn="ctr">
                       <a:solidFill>
                         <a:schemeClr val="tx1">
@@ -3954,11 +3819,17 @@
                     </a:solidFill>
                   </a:tcPr>
                 </a:tc>
+                <a:extLst>
+                  <a:ext uri="{0D108BD9-81ED-4DB2-BD59-A6C34878D82A}">
+                    <a16:rowId xmlns:a16="http://schemas.microsoft.com/office/drawing/2014/main" val="10003"/>
+                  </a:ext>
+                </a:extLst>
               </a:tr>
               <a:tr h="706815">
                 <a:tc>
                   <a:txBody>
-                    <a:bodyPr vert="horz" lIns="91440" tIns="45720" rIns="91440" bIns="45720" anchor="ctr" anchorCtr="0"/>
+                    <a:bodyPr/>
+                    <a:lstStyle/>
                     <a:p>
                       <a:pPr algn="ctr" latinLnBrk="1">
                         <a:defRPr lang="ko-KR" altLang="en-US"/>
@@ -3973,16 +3844,9 @@
                         </a:rPr>
                         <a:t>StatsPage</a:t>
                       </a:r>
-                      <a:endParaRPr lang="en-US" altLang="ko-KR">
-                        <a:solidFill>
-                          <a:schemeClr val="accent1"/>
-                        </a:solidFill>
-                        <a:latin typeface="나눔고딕"/>
-                        <a:ea typeface="나눔고딕"/>
-                      </a:endParaRPr>
                     </a:p>
                   </a:txBody>
-                  <a:tcPr marL="91440" marR="91440" anchor="ctr">
+                  <a:tcPr anchor="ctr">
                     <a:lnL w="12700" cmpd="sng">
                       <a:noFill/>
                     </a:lnL>
@@ -4031,7 +3895,8 @@
                 </a:tc>
                 <a:tc>
                   <a:txBody>
-                    <a:bodyPr vert="horz" lIns="91440" tIns="45720" rIns="91440" bIns="45720" anchor="ctr" anchorCtr="0"/>
+                    <a:bodyPr/>
+                    <a:lstStyle/>
                     <a:p>
                       <a:pPr algn="ctr" latinLnBrk="1">
                         <a:defRPr lang="ko-KR" altLang="en-US"/>
@@ -4046,16 +3911,9 @@
                         </a:rPr>
                         <a:t>지출 및 수입의 통계 페이지</a:t>
                       </a:r>
-                      <a:endParaRPr lang="ko-KR" altLang="en-US">
-                        <a:solidFill>
-                          <a:schemeClr val="accent1"/>
-                        </a:solidFill>
-                        <a:latin typeface="나눔고딕"/>
-                        <a:ea typeface="나눔고딕"/>
-                      </a:endParaRPr>
                     </a:p>
                   </a:txBody>
-                  <a:tcPr marL="91440" marR="91440" anchor="ctr">
+                  <a:tcPr anchor="ctr">
                     <a:lnL w="9525" cap="flat" cmpd="sng" algn="ctr">
                       <a:solidFill>
                         <a:schemeClr val="tx1">
@@ -4111,7 +3969,8 @@
                 </a:tc>
                 <a:tc>
                   <a:txBody>
-                    <a:bodyPr vert="horz" lIns="91440" tIns="45720" rIns="91440" bIns="45720" anchor="ctr" anchorCtr="0"/>
+                    <a:bodyPr/>
+                    <a:lstStyle/>
                     <a:p>
                       <a:pPr algn="ctr" latinLnBrk="1">
                         <a:defRPr lang="ko-KR" altLang="en-US"/>
@@ -4126,16 +3985,9 @@
                         </a:rPr>
                         <a:t>지출, 수입의 통계 정보 표시</a:t>
                       </a:r>
-                      <a:endParaRPr lang="ko-KR" altLang="en-US">
-                        <a:solidFill>
-                          <a:schemeClr val="accent1"/>
-                        </a:solidFill>
-                        <a:latin typeface="나눔고딕"/>
-                        <a:ea typeface="나눔고딕"/>
-                      </a:endParaRPr>
                     </a:p>
                   </a:txBody>
-                  <a:tcPr marL="91440" marR="91440" anchor="ctr">
+                  <a:tcPr anchor="ctr">
                     <a:lnL w="9525" cap="flat" cmpd="sng" algn="ctr">
                       <a:solidFill>
                         <a:schemeClr val="tx1">
@@ -4182,11 +4034,17 @@
                     </a:solidFill>
                   </a:tcPr>
                 </a:tc>
+                <a:extLst>
+                  <a:ext uri="{0D108BD9-81ED-4DB2-BD59-A6C34878D82A}">
+                    <a16:rowId xmlns:a16="http://schemas.microsoft.com/office/drawing/2014/main" val="10004"/>
+                  </a:ext>
+                </a:extLst>
               </a:tr>
               <a:tr h="706815">
                 <a:tc>
                   <a:txBody>
-                    <a:bodyPr vert="horz" lIns="91440" tIns="45720" rIns="91440" bIns="45720" anchor="ctr" anchorCtr="0"/>
+                    <a:bodyPr/>
+                    <a:lstStyle/>
                     <a:p>
                       <a:pPr algn="ctr" latinLnBrk="1">
                         <a:defRPr lang="ko-KR" altLang="en-US"/>
@@ -4201,16 +4059,9 @@
                         </a:rPr>
                         <a:t>SettingPage</a:t>
                       </a:r>
-                      <a:endParaRPr lang="en-US" altLang="ko-KR">
-                        <a:solidFill>
-                          <a:schemeClr val="accent1"/>
-                        </a:solidFill>
-                        <a:latin typeface="나눔고딕"/>
-                        <a:ea typeface="나눔고딕"/>
-                      </a:endParaRPr>
                     </a:p>
                   </a:txBody>
-                  <a:tcPr marL="91440" marR="91440" anchor="ctr">
+                  <a:tcPr anchor="ctr">
                     <a:lnL w="12700" cmpd="sng">
                       <a:noFill/>
                     </a:lnL>
@@ -4259,7 +4110,8 @@
                 </a:tc>
                 <a:tc>
                   <a:txBody>
-                    <a:bodyPr vert="horz" lIns="91440" tIns="45720" rIns="91440" bIns="45720" anchor="ctr" anchorCtr="0"/>
+                    <a:bodyPr/>
+                    <a:lstStyle/>
                     <a:p>
                       <a:pPr algn="ctr" latinLnBrk="1">
                         <a:defRPr lang="ko-KR" altLang="en-US"/>
@@ -4274,16 +4126,9 @@
                         </a:rPr>
                         <a:t>앱의 기능들을 설정할 수 있는 페이지</a:t>
                       </a:r>
-                      <a:endParaRPr lang="ko-KR" altLang="en-US">
-                        <a:solidFill>
-                          <a:schemeClr val="accent1"/>
-                        </a:solidFill>
-                        <a:latin typeface="나눔고딕"/>
-                        <a:ea typeface="나눔고딕"/>
-                      </a:endParaRPr>
                     </a:p>
                   </a:txBody>
-                  <a:tcPr marL="91440" marR="91440" anchor="ctr">
+                  <a:tcPr anchor="ctr">
                     <a:lnL w="9525" cap="flat" cmpd="sng" algn="ctr">
                       <a:solidFill>
                         <a:schemeClr val="tx1">
@@ -4339,7 +4184,8 @@
                 </a:tc>
                 <a:tc>
                   <a:txBody>
-                    <a:bodyPr vert="horz" lIns="91440" tIns="45720" rIns="91440" bIns="45720" anchor="ctr" anchorCtr="0"/>
+                    <a:bodyPr/>
+                    <a:lstStyle/>
                     <a:p>
                       <a:pPr algn="ctr" latinLnBrk="1">
                         <a:defRPr lang="ko-KR" altLang="en-US"/>
@@ -4354,16 +4200,9 @@
                         </a:rPr>
                         <a:t>앱의 세부 설정 가능</a:t>
                       </a:r>
-                      <a:endParaRPr lang="ko-KR" altLang="en-US">
-                        <a:solidFill>
-                          <a:schemeClr val="accent1"/>
-                        </a:solidFill>
-                        <a:latin typeface="나눔고딕"/>
-                        <a:ea typeface="나눔고딕"/>
-                      </a:endParaRPr>
                     </a:p>
                   </a:txBody>
-                  <a:tcPr marL="91440" marR="91440" anchor="ctr">
+                  <a:tcPr anchor="ctr">
                     <a:lnL w="9525" cap="flat" cmpd="sng" algn="ctr">
                       <a:solidFill>
                         <a:schemeClr val="tx1">
@@ -4410,6 +4249,11 @@
                     </a:solidFill>
                   </a:tcPr>
                 </a:tc>
+                <a:extLst>
+                  <a:ext uri="{0D108BD9-81ED-4DB2-BD59-A6C34878D82A}">
+                    <a16:rowId xmlns:a16="http://schemas.microsoft.com/office/drawing/2014/main" val="10005"/>
+                  </a:ext>
+                </a:extLst>
               </a:tr>
             </a:tbl>
           </a:graphicData>
@@ -4450,13 +4294,6 @@
               </a:rPr>
               <a:t>프로젝트 개요 </a:t>
             </a:r>
-            <a:endParaRPr lang="ko-KR" altLang="en-US" sz="2800" b="1" spc="-285">
-              <a:solidFill>
-                <a:schemeClr val="accent1"/>
-              </a:solidFill>
-              <a:latin typeface="나눔고딕 ExtraBold"/>
-              <a:ea typeface="나눔고딕 ExtraBold"/>
-            </a:endParaRPr>
           </a:p>
         </p:txBody>
       </p:sp>
@@ -4518,20 +4355,12 @@
               </a:rPr>
               <a:t>메모와 지출 및 수입의 기록, 통계 기능을 통해 사용자의 경제적 관리를 더 쉽게 할 수 있도록 한다</a:t>
             </a:r>
-            <a:endParaRPr lang="ko-KR" altLang="en-US" sz="2000" b="1" spc="-244">
-              <a:solidFill>
-                <a:schemeClr val="accent1"/>
-              </a:solidFill>
-              <a:latin typeface="나눔고딕"/>
-              <a:ea typeface="나눔고딕"/>
-              <a:cs typeface="맑은 고딕"/>
-            </a:endParaRPr>
-          </a:p>
-        </p:txBody>
-      </p:sp>
-      <p:sp>
-        <p:nvSpPr>
-          <p:cNvPr id="10" name=""/>
+          </a:p>
+        </p:txBody>
+      </p:sp>
+      <p:sp>
+        <p:nvSpPr>
+          <p:cNvPr id="10" name="한쪽 모서리는 잘리고 다른 쪽 모서리는 둥근 사각형 9"/>
           <p:cNvSpPr/>
           <p:nvPr/>
         </p:nvSpPr>
@@ -4587,12 +4416,12 @@
   <p:clrMapOvr>
     <a:masterClrMapping/>
   </p:clrMapOvr>
-  <p:transition xmlns:mc="http://schemas.openxmlformats.org/markup-compatibility/2006" xmlns:hp="http://schemas.haansoft.com/office/presentation/8.0" mc:Ignorable="hp" hp:hslDur="500"/>
+  <p:transition/>
 </p:sld>
 </file>
 
 <file path=ppt/slides/slide4.xml><?xml version="1.0" encoding="utf-8"?>
-<p:sld xmlns:r="http://schemas.openxmlformats.org/officeDocument/2006/relationships" xmlns:c="http://schemas.openxmlformats.org/drawingml/2006/chart" xmlns:a="http://schemas.openxmlformats.org/drawingml/2006/main" xmlns:dgm="http://schemas.openxmlformats.org/drawingml/2006/diagram" xmlns:dsp="http://schemas.microsoft.com/office/drawing/2008/diagram" xmlns:p="http://schemas.openxmlformats.org/presentationml/2006/main">
+<p:sld xmlns:a="http://schemas.openxmlformats.org/drawingml/2006/main" xmlns:r="http://schemas.openxmlformats.org/officeDocument/2006/relationships" xmlns:p="http://schemas.openxmlformats.org/presentationml/2006/main">
   <p:cSld>
     <p:spTree>
       <p:nvGrpSpPr>
@@ -4711,11 +4540,6 @@
               </a:rPr>
               <a:t>요구사항 분석</a:t>
             </a:r>
-            <a:endParaRPr lang="ko-KR" altLang="en-US" sz="2800" b="1" spc="-285">
-              <a:solidFill>
-                <a:schemeClr val="accent1"/>
-              </a:solidFill>
-            </a:endParaRPr>
           </a:p>
         </p:txBody>
       </p:sp>
@@ -4962,7 +4786,7 @@
         </p:nvSpPr>
         <p:spPr>
           <a:xfrm>
-            <a:off x="648031" y="1321153"/>
+            <a:off x="663271" y="1321153"/>
             <a:ext cx="5027681" cy="482600"/>
           </a:xfrm>
           <a:prstGeom prst="rect">
@@ -5039,7 +4863,7 @@
               <a:defRPr lang="ko-KR" altLang="en-US"/>
             </a:pPr>
             <a:r>
-              <a:rPr lang="ko-KR" altLang="en-US" sz="2000">
+              <a:rPr lang="ko-KR" altLang="en-US" sz="2000" dirty="0">
                 <a:solidFill>
                   <a:schemeClr val="accent1"/>
                 </a:solidFill>
@@ -5048,13 +4872,6 @@
               </a:rPr>
               <a:t>개발자 요구사항</a:t>
             </a:r>
-            <a:endParaRPr lang="ko-KR" altLang="en-US" sz="2000">
-              <a:solidFill>
-                <a:schemeClr val="accent1"/>
-              </a:solidFill>
-              <a:latin typeface="나눔고딕 ExtraBold"/>
-              <a:ea typeface="나눔고딕 ExtraBold"/>
-            </a:endParaRPr>
           </a:p>
         </p:txBody>
       </p:sp>
@@ -5089,7 +4906,7 @@
               <a:defRPr lang="ko-KR" altLang="en-US"/>
             </a:pPr>
             <a:r>
-              <a:rPr lang="ko-KR" altLang="en-US" sz="1500" spc="-124">
+              <a:rPr lang="ko-KR" altLang="en-US" sz="1500" spc="-124" dirty="0">
                 <a:solidFill>
                   <a:schemeClr val="bg1"/>
                 </a:solidFill>
@@ -5098,13 +4915,6 @@
               </a:rPr>
               <a:t>메인페이지에서 메모, 지출, 수입 한 눈에 표시</a:t>
             </a:r>
-            <a:endParaRPr lang="ko-KR" altLang="en-US" sz="1500" spc="-124">
-              <a:solidFill>
-                <a:schemeClr val="bg1"/>
-              </a:solidFill>
-              <a:latin typeface="나눔고딕"/>
-              <a:ea typeface="나눔고딕"/>
-            </a:endParaRPr>
           </a:p>
           <a:p>
             <a:pPr marL="285750" indent="-285750">
@@ -5116,22 +4926,35 @@
               <a:defRPr lang="ko-KR" altLang="en-US"/>
             </a:pPr>
             <a:r>
-              <a:rPr lang="ko-KR" altLang="en-US" sz="1500" spc="-124">
+              <a:rPr lang="ko-KR" altLang="en-US" sz="1500" spc="-124" dirty="0">
                 <a:solidFill>
                   <a:schemeClr val="bg1"/>
                 </a:solidFill>
                 <a:latin typeface="나눔고딕"/>
                 <a:ea typeface="나눔고딕"/>
               </a:rPr>
-              <a:t>통계 기능에 날짜별 필터 기능 추가</a:t>
-            </a:r>
-            <a:endParaRPr lang="ko-KR" altLang="en-US" sz="1500" spc="-124">
-              <a:solidFill>
-                <a:schemeClr val="bg1"/>
-              </a:solidFill>
-              <a:latin typeface="나눔고딕"/>
-              <a:ea typeface="나눔고딕"/>
-            </a:endParaRPr>
+              <a:t>통계 기능에 </a:t>
+            </a:r>
+            <a:r>
+              <a:rPr lang="ko-KR" altLang="en-US" sz="1500" spc="-124" dirty="0" err="1">
+                <a:solidFill>
+                  <a:schemeClr val="bg1"/>
+                </a:solidFill>
+                <a:latin typeface="나눔고딕"/>
+                <a:ea typeface="나눔고딕"/>
+              </a:rPr>
+              <a:t>날짜별</a:t>
+            </a:r>
+            <a:r>
+              <a:rPr lang="ko-KR" altLang="en-US" sz="1500" spc="-124" dirty="0">
+                <a:solidFill>
+                  <a:schemeClr val="bg1"/>
+                </a:solidFill>
+                <a:latin typeface="나눔고딕"/>
+                <a:ea typeface="나눔고딕"/>
+              </a:rPr>
+              <a:t> 필터 기능 추가</a:t>
+            </a:r>
           </a:p>
           <a:p>
             <a:pPr marL="285750" indent="-285750">
@@ -5143,7 +4966,7 @@
               <a:defRPr lang="ko-KR" altLang="en-US"/>
             </a:pPr>
             <a:r>
-              <a:rPr lang="ko-KR" altLang="en-US" sz="1500" spc="-124">
+              <a:rPr lang="ko-KR" altLang="en-US" sz="1500" spc="-124" dirty="0">
                 <a:solidFill>
                   <a:schemeClr val="bg1"/>
                 </a:solidFill>
@@ -5152,13 +4975,6 @@
               </a:rPr>
               <a:t>지출, 수입에 지출 또는 수입만 볼 수 있는 기능 추가</a:t>
             </a:r>
-            <a:endParaRPr lang="ko-KR" altLang="en-US" sz="1500" spc="-124">
-              <a:solidFill>
-                <a:schemeClr val="bg1"/>
-              </a:solidFill>
-              <a:latin typeface="나눔고딕"/>
-              <a:ea typeface="나눔고딕"/>
-            </a:endParaRPr>
           </a:p>
           <a:p>
             <a:pPr marL="285750" indent="-285750">
@@ -5170,7 +4986,7 @@
               <a:defRPr lang="ko-KR" altLang="en-US"/>
             </a:pPr>
             <a:r>
-              <a:rPr lang="ko-KR" altLang="en-US" sz="1500" spc="-124">
+              <a:rPr lang="ko-KR" altLang="en-US" sz="1500" spc="-124" dirty="0">
                 <a:solidFill>
                   <a:schemeClr val="bg1"/>
                 </a:solidFill>
@@ -5179,13 +4995,6 @@
               </a:rPr>
               <a:t>목표 지출 설정 기능 추가</a:t>
             </a:r>
-            <a:endParaRPr lang="ko-KR" altLang="en-US" sz="1500" spc="-124">
-              <a:solidFill>
-                <a:schemeClr val="bg1"/>
-              </a:solidFill>
-              <a:latin typeface="나눔고딕"/>
-              <a:ea typeface="나눔고딕"/>
-            </a:endParaRPr>
           </a:p>
         </p:txBody>
       </p:sp>
@@ -5197,8 +5006,8 @@
         </p:nvSpPr>
         <p:spPr>
           <a:xfrm>
-            <a:off x="5695037" y="1319083"/>
-            <a:ext cx="5027681" cy="482600"/>
+            <a:off x="5710277" y="1326703"/>
+            <a:ext cx="5001127" cy="482600"/>
           </a:xfrm>
           <a:prstGeom prst="rect">
             <a:avLst/>
@@ -5254,7 +5063,7 @@
         </p:nvSpPr>
         <p:spPr>
           <a:xfrm>
-            <a:off x="653828" y="3574437"/>
+            <a:off x="661448" y="3574437"/>
             <a:ext cx="5027681" cy="482600"/>
           </a:xfrm>
           <a:prstGeom prst="rect">
@@ -5311,8 +5120,8 @@
         </p:nvSpPr>
         <p:spPr>
           <a:xfrm>
-            <a:off x="5695039" y="3574437"/>
-            <a:ext cx="5027681" cy="482600"/>
+            <a:off x="5710279" y="3574437"/>
+            <a:ext cx="5007569" cy="482600"/>
           </a:xfrm>
           <a:prstGeom prst="rect">
             <a:avLst/>
@@ -5388,7 +5197,7 @@
               <a:defRPr lang="ko-KR" altLang="en-US"/>
             </a:pPr>
             <a:r>
-              <a:rPr lang="ko-KR" altLang="en-US" sz="2000">
+              <a:rPr lang="ko-KR" altLang="en-US" sz="2000" dirty="0">
                 <a:solidFill>
                   <a:schemeClr val="accent1"/>
                 </a:solidFill>
@@ -5397,13 +5206,6 @@
               </a:rPr>
               <a:t>사용자 요구사항</a:t>
             </a:r>
-            <a:endParaRPr lang="ko-KR" altLang="en-US" sz="2000">
-              <a:solidFill>
-                <a:schemeClr val="accent1"/>
-              </a:solidFill>
-              <a:latin typeface="나눔고딕 ExtraBold"/>
-              <a:ea typeface="나눔고딕 ExtraBold"/>
-            </a:endParaRPr>
           </a:p>
         </p:txBody>
       </p:sp>
@@ -5415,7 +5217,7 @@
         </p:nvSpPr>
         <p:spPr>
           <a:xfrm>
-            <a:off x="5710443" y="1364335"/>
+            <a:off x="5710443" y="1356715"/>
             <a:ext cx="5007405" cy="395885"/>
           </a:xfrm>
           <a:prstGeom prst="rect">
@@ -5454,13 +5256,6 @@
               </a:rPr>
               <a:t> 요구사항</a:t>
             </a:r>
-            <a:endParaRPr lang="ko-KR" altLang="en-US" sz="2000">
-              <a:solidFill>
-                <a:schemeClr val="accent1"/>
-              </a:solidFill>
-              <a:latin typeface="나눔고딕 ExtraBold"/>
-              <a:ea typeface="나눔고딕 ExtraBold"/>
-            </a:endParaRPr>
           </a:p>
         </p:txBody>
       </p:sp>
@@ -5472,7 +5267,7 @@
         </p:nvSpPr>
         <p:spPr>
           <a:xfrm>
-            <a:off x="5711272" y="3630873"/>
+            <a:off x="5703652" y="3630873"/>
             <a:ext cx="5007405" cy="386772"/>
           </a:xfrm>
           <a:prstGeom prst="rect">
@@ -5501,13 +5296,6 @@
               </a:rPr>
               <a:t>시스템 요구사항</a:t>
             </a:r>
-            <a:endParaRPr lang="ko-KR" altLang="en-US" sz="2000">
-              <a:solidFill>
-                <a:schemeClr val="accent1"/>
-              </a:solidFill>
-              <a:latin typeface="나눔고딕 ExtraBold"/>
-              <a:ea typeface="나눔고딕 ExtraBold"/>
-            </a:endParaRPr>
           </a:p>
         </p:txBody>
       </p:sp>
@@ -5542,22 +5330,35 @@
               <a:defRPr lang="ko-KR" altLang="en-US"/>
             </a:pPr>
             <a:r>
-              <a:rPr lang="ko-KR" altLang="en-US" sz="1500" spc="-124">
+              <a:rPr lang="ko-KR" altLang="en-US" sz="1500" spc="-124" dirty="0">
                 <a:solidFill>
                   <a:schemeClr val="tx1"/>
                 </a:solidFill>
                 <a:latin typeface="나눔고딕"/>
                 <a:ea typeface="나눔고딕"/>
               </a:rPr>
-              <a:t>통계에 각 카테고리별 지출을 보여주는 그래프 추가</a:t>
-            </a:r>
-            <a:endParaRPr lang="ko-KR" altLang="en-US" sz="1500" spc="-124">
-              <a:solidFill>
-                <a:schemeClr val="tx1"/>
-              </a:solidFill>
-              <a:latin typeface="나눔고딕"/>
-              <a:ea typeface="나눔고딕"/>
-            </a:endParaRPr>
+              <a:t>통계에 각 </a:t>
+            </a:r>
+            <a:r>
+              <a:rPr lang="ko-KR" altLang="en-US" sz="1500" spc="-124" dirty="0" err="1">
+                <a:solidFill>
+                  <a:schemeClr val="tx1"/>
+                </a:solidFill>
+                <a:latin typeface="나눔고딕"/>
+                <a:ea typeface="나눔고딕"/>
+              </a:rPr>
+              <a:t>카테고리별</a:t>
+            </a:r>
+            <a:r>
+              <a:rPr lang="ko-KR" altLang="en-US" sz="1500" spc="-124" dirty="0">
+                <a:solidFill>
+                  <a:schemeClr val="tx1"/>
+                </a:solidFill>
+                <a:latin typeface="나눔고딕"/>
+                <a:ea typeface="나눔고딕"/>
+              </a:rPr>
+              <a:t> 지출을 보여주는 그래프 추가</a:t>
+            </a:r>
           </a:p>
           <a:p>
             <a:pPr marL="285750" indent="-285750">
@@ -5569,22 +5370,35 @@
               <a:defRPr lang="ko-KR" altLang="en-US"/>
             </a:pPr>
             <a:r>
-              <a:rPr lang="ko-KR" altLang="en-US" sz="1500" spc="-124">
+              <a:rPr lang="ko-KR" altLang="en-US" sz="1500" spc="-124" dirty="0">
                 <a:solidFill>
                   <a:schemeClr val="tx1"/>
                 </a:solidFill>
                 <a:latin typeface="나눔고딕"/>
                 <a:ea typeface="나눔고딕"/>
               </a:rPr>
-              <a:t>설정에 다크모드 추가</a:t>
-            </a:r>
-            <a:endParaRPr lang="ko-KR" altLang="en-US" sz="1500" spc="-124">
-              <a:solidFill>
-                <a:schemeClr val="tx1"/>
-              </a:solidFill>
-              <a:latin typeface="나눔고딕"/>
-              <a:ea typeface="나눔고딕"/>
-            </a:endParaRPr>
+              <a:t>설정에 </a:t>
+            </a:r>
+            <a:r>
+              <a:rPr lang="ko-KR" altLang="en-US" sz="1500" spc="-124" dirty="0" err="1">
+                <a:solidFill>
+                  <a:schemeClr val="tx1"/>
+                </a:solidFill>
+                <a:latin typeface="나눔고딕"/>
+                <a:ea typeface="나눔고딕"/>
+              </a:rPr>
+              <a:t>다크모드</a:t>
+            </a:r>
+            <a:r>
+              <a:rPr lang="ko-KR" altLang="en-US" sz="1500" spc="-124" dirty="0">
+                <a:solidFill>
+                  <a:schemeClr val="tx1"/>
+                </a:solidFill>
+                <a:latin typeface="나눔고딕"/>
+                <a:ea typeface="나눔고딕"/>
+              </a:rPr>
+              <a:t> 추가</a:t>
+            </a:r>
           </a:p>
           <a:p>
             <a:pPr marL="285750" indent="-285750">
@@ -5596,7 +5410,7 @@
               <a:defRPr lang="ko-KR" altLang="en-US"/>
             </a:pPr>
             <a:r>
-              <a:rPr lang="ko-KR" altLang="en-US" sz="1500" spc="-124">
+              <a:rPr lang="ko-KR" altLang="en-US" sz="1500" spc="-124" dirty="0">
                 <a:solidFill>
                   <a:schemeClr val="tx1"/>
                 </a:solidFill>
@@ -5605,13 +5419,6 @@
               </a:rPr>
               <a:t>설정에 데이터 전체 삭제 기능 추가</a:t>
             </a:r>
-            <a:endParaRPr lang="ko-KR" altLang="en-US" sz="1500" spc="-124">
-              <a:solidFill>
-                <a:schemeClr val="tx1"/>
-              </a:solidFill>
-              <a:latin typeface="나눔고딕"/>
-              <a:ea typeface="나눔고딕"/>
-            </a:endParaRPr>
           </a:p>
         </p:txBody>
       </p:sp>
@@ -5675,13 +5482,6 @@
               </a:rPr>
               <a:t> 수입에 카테고리 추가 후 카테고리 별로 정렬 기능 추가</a:t>
             </a:r>
-            <a:endParaRPr lang="ko-KR" altLang="en-US" sz="1500" spc="-124">
-              <a:solidFill>
-                <a:schemeClr val="bg1"/>
-              </a:solidFill>
-              <a:latin typeface="나눔고딕"/>
-              <a:ea typeface="나눔고딕"/>
-            </a:endParaRPr>
           </a:p>
           <a:p>
             <a:pPr marL="285750" indent="-285750">
@@ -5702,13 +5502,6 @@
               </a:rPr>
               <a:t>캘린더에 메모, 지출, 수입 내역을 간략하게 표시 기능 추가</a:t>
             </a:r>
-            <a:endParaRPr lang="ko-KR" altLang="en-US" sz="1500" spc="-124">
-              <a:solidFill>
-                <a:schemeClr val="bg1"/>
-              </a:solidFill>
-              <a:latin typeface="나눔고딕"/>
-              <a:ea typeface="나눔고딕"/>
-            </a:endParaRPr>
           </a:p>
           <a:p>
             <a:pPr marL="285750" indent="-285750">
@@ -5729,13 +5522,6 @@
               </a:rPr>
               <a:t>메인페이지에서 오늘의 메모, 지출, 수입 작성 기능 추가</a:t>
             </a:r>
-            <a:endParaRPr lang="ko-KR" altLang="en-US" sz="1500" spc="-124">
-              <a:solidFill>
-                <a:schemeClr val="bg1"/>
-              </a:solidFill>
-              <a:latin typeface="나눔고딕"/>
-              <a:ea typeface="나눔고딕"/>
-            </a:endParaRPr>
           </a:p>
         </p:txBody>
       </p:sp>
@@ -5779,13 +5565,6 @@
               </a:rPr>
               <a:t>안드로이드 스튜디오를 이용해 플러터로 구현</a:t>
             </a:r>
-            <a:endParaRPr lang="ko-KR" altLang="en-US" sz="1500" spc="-124">
-              <a:solidFill>
-                <a:schemeClr val="bg1"/>
-              </a:solidFill>
-              <a:latin typeface="나눔고딕"/>
-              <a:ea typeface="나눔고딕"/>
-            </a:endParaRPr>
           </a:p>
           <a:p>
             <a:pPr marL="285750" indent="-285750">
@@ -5806,13 +5585,6 @@
               </a:rPr>
               <a:t>웹과 앱 둘 다 구현 가능해야 함</a:t>
             </a:r>
-            <a:endParaRPr lang="ko-KR" altLang="en-US" sz="1500" spc="-124">
-              <a:solidFill>
-                <a:schemeClr val="bg1"/>
-              </a:solidFill>
-              <a:latin typeface="나눔고딕"/>
-              <a:ea typeface="나눔고딕"/>
-            </a:endParaRPr>
           </a:p>
           <a:p>
             <a:pPr marL="285750" indent="-285750">
@@ -5833,19 +5605,12 @@
               </a:rPr>
               <a:t>데이터베이스를 사용하여 데이터 유지</a:t>
             </a:r>
-            <a:endParaRPr lang="ko-KR" altLang="en-US" sz="1500" spc="-124">
-              <a:solidFill>
-                <a:schemeClr val="bg1"/>
-              </a:solidFill>
-              <a:latin typeface="나눔고딕"/>
-              <a:ea typeface="나눔고딕"/>
-            </a:endParaRPr>
-          </a:p>
-        </p:txBody>
-      </p:sp>
-      <p:sp>
-        <p:nvSpPr>
-          <p:cNvPr id="68" name=""/>
+          </a:p>
+        </p:txBody>
+      </p:sp>
+      <p:sp>
+        <p:nvSpPr>
+          <p:cNvPr id="68" name="한쪽 모서리는 잘리고 다른 쪽 모서리는 둥근 사각형 67"/>
           <p:cNvSpPr/>
           <p:nvPr/>
         </p:nvSpPr>
@@ -5901,12 +5666,12 @@
   <p:clrMapOvr>
     <a:masterClrMapping/>
   </p:clrMapOvr>
-  <p:transition xmlns:mc="http://schemas.openxmlformats.org/markup-compatibility/2006" xmlns:hp="http://schemas.haansoft.com/office/presentation/8.0" mc:Ignorable="hp" hp:hslDur="500"/>
+  <p:transition/>
 </p:sld>
 </file>
 
 <file path=ppt/slides/slide5.xml><?xml version="1.0" encoding="utf-8"?>
-<p:sld xmlns:r="http://schemas.openxmlformats.org/officeDocument/2006/relationships" xmlns:c="http://schemas.openxmlformats.org/drawingml/2006/chart" xmlns:a="http://schemas.openxmlformats.org/drawingml/2006/main" xmlns:dgm="http://schemas.openxmlformats.org/drawingml/2006/diagram" xmlns:dsp="http://schemas.microsoft.com/office/drawing/2008/diagram" xmlns:p="http://schemas.openxmlformats.org/presentationml/2006/main">
+<p:sld xmlns:a="http://schemas.openxmlformats.org/drawingml/2006/main" xmlns:r="http://schemas.openxmlformats.org/officeDocument/2006/relationships" xmlns:p="http://schemas.openxmlformats.org/presentationml/2006/main">
   <p:cSld>
     <p:spTree>
       <p:nvGrpSpPr>
@@ -6025,11 +5790,6 @@
               </a:rPr>
               <a:t>개발일정</a:t>
             </a:r>
-            <a:endParaRPr lang="ko-KR" altLang="en-US" sz="2800" b="1" spc="-285">
-              <a:solidFill>
-                <a:schemeClr val="accent1"/>
-              </a:solidFill>
-            </a:endParaRPr>
           </a:p>
         </p:txBody>
       </p:sp>
@@ -6059,7 +5819,7 @@
       </p:pic>
       <p:sp>
         <p:nvSpPr>
-          <p:cNvPr id="27" name=""/>
+          <p:cNvPr id="27" name="한쪽 모서리는 잘리고 다른 쪽 모서리는 둥근 사각형 26"/>
           <p:cNvSpPr/>
           <p:nvPr/>
         </p:nvSpPr>
@@ -6115,12 +5875,12 @@
   <p:clrMapOvr>
     <a:masterClrMapping/>
   </p:clrMapOvr>
-  <p:transition xmlns:mc="http://schemas.openxmlformats.org/markup-compatibility/2006" xmlns:hp="http://schemas.haansoft.com/office/presentation/8.0" mc:Ignorable="hp" hp:hslDur="500"/>
+  <p:transition/>
 </p:sld>
 </file>
 
 <file path=ppt/slides/slide6.xml><?xml version="1.0" encoding="utf-8"?>
-<p:sld xmlns:r="http://schemas.openxmlformats.org/officeDocument/2006/relationships" xmlns:c="http://schemas.openxmlformats.org/drawingml/2006/chart" xmlns:a="http://schemas.openxmlformats.org/drawingml/2006/main" xmlns:dgm="http://schemas.openxmlformats.org/drawingml/2006/diagram" xmlns:dsp="http://schemas.microsoft.com/office/drawing/2008/diagram" xmlns:p="http://schemas.openxmlformats.org/presentationml/2006/main">
+<p:sld xmlns:a="http://schemas.openxmlformats.org/drawingml/2006/main" xmlns:r="http://schemas.openxmlformats.org/officeDocument/2006/relationships" xmlns:p="http://schemas.openxmlformats.org/presentationml/2006/main">
   <p:cSld>
     <p:spTree>
       <p:nvGrpSpPr>
@@ -6506,15 +6266,6 @@
               </a:rPr>
               <a:t>개발 기술 스택</a:t>
             </a:r>
-            <a:endParaRPr lang="ko-KR" altLang="en-US" b="1">
-              <a:solidFill>
-                <a:schemeClr val="bg1">
-                  <a:lumMod val="95000"/>
-                </a:schemeClr>
-              </a:solidFill>
-              <a:latin typeface="나눔고딕"/>
-              <a:ea typeface="나눔고딕"/>
-            </a:endParaRPr>
           </a:p>
         </p:txBody>
       </p:sp>
@@ -6618,15 +6369,6 @@
               </a:rPr>
               <a:t> 구성 요소</a:t>
             </a:r>
-            <a:endParaRPr lang="ko-KR" altLang="en-US" b="1">
-              <a:solidFill>
-                <a:schemeClr val="bg1">
-                  <a:lumMod val="95000"/>
-                </a:schemeClr>
-              </a:solidFill>
-              <a:latin typeface="나눔고딕"/>
-              <a:ea typeface="나눔고딕"/>
-            </a:endParaRPr>
           </a:p>
         </p:txBody>
       </p:sp>
@@ -6718,15 +6460,6 @@
               </a:rPr>
               <a:t>배포 및 테스트</a:t>
             </a:r>
-            <a:endParaRPr lang="ko-KR" altLang="en-US" b="1">
-              <a:solidFill>
-                <a:schemeClr val="bg1">
-                  <a:lumMod val="95000"/>
-                </a:schemeClr>
-              </a:solidFill>
-              <a:latin typeface="나눔고딕"/>
-              <a:ea typeface="나눔고딕"/>
-            </a:endParaRPr>
           </a:p>
         </p:txBody>
       </p:sp>
@@ -6818,15 +6551,6 @@
               </a:rPr>
               <a:t>기타 운영 도구</a:t>
             </a:r>
-            <a:endParaRPr lang="ko-KR" altLang="en-US" b="1">
-              <a:solidFill>
-                <a:schemeClr val="bg1">
-                  <a:lumMod val="95000"/>
-                </a:schemeClr>
-              </a:solidFill>
-              <a:latin typeface="나눔고딕"/>
-              <a:ea typeface="나눔고딕"/>
-            </a:endParaRPr>
           </a:p>
         </p:txBody>
       </p:sp>
@@ -6870,6 +6594,16 @@
               </a:rPr>
               <a:t> IDE : Android Studio</a:t>
             </a:r>
+          </a:p>
+          <a:p>
+            <a:pPr algn="just">
+              <a:lnSpc>
+                <a:spcPct val="120000"/>
+              </a:lnSpc>
+              <a:buFont typeface="Arial"/>
+              <a:buChar char="•"/>
+              <a:defRPr lang="ko-KR" altLang="en-US"/>
+            </a:pPr>
             <a:endParaRPr lang="en-US" altLang="ko-KR" sz="1400" spc="-145">
               <a:solidFill>
                 <a:schemeClr val="accent1"/>
@@ -6887,6 +6621,36 @@
               <a:buChar char="•"/>
               <a:defRPr lang="ko-KR" altLang="en-US"/>
             </a:pPr>
+            <a:r>
+              <a:rPr lang="ko-KR" altLang="en-US" sz="1400" spc="-145">
+                <a:solidFill>
+                  <a:schemeClr val="accent1"/>
+                </a:solidFill>
+                <a:latin typeface="나눔고딕"/>
+                <a:ea typeface="나눔고딕"/>
+              </a:rPr>
+              <a:t> 프로그래밍 언어 : </a:t>
+            </a:r>
+            <a:r>
+              <a:rPr lang="en-US" altLang="ko-KR" sz="1400" spc="-145">
+                <a:solidFill>
+                  <a:schemeClr val="accent1"/>
+                </a:solidFill>
+                <a:latin typeface="나눔고딕"/>
+                <a:ea typeface="나눔고딕"/>
+              </a:rPr>
+              <a:t>Dart</a:t>
+            </a:r>
+          </a:p>
+          <a:p>
+            <a:pPr algn="just">
+              <a:lnSpc>
+                <a:spcPct val="120000"/>
+              </a:lnSpc>
+              <a:buFont typeface="Arial"/>
+              <a:buChar char="•"/>
+              <a:defRPr lang="ko-KR" altLang="en-US"/>
+            </a:pPr>
             <a:endParaRPr lang="en-US" altLang="ko-KR" sz="1400" spc="-145">
               <a:solidFill>
                 <a:schemeClr val="accent1"/>
@@ -6912,7 +6676,7 @@
                 <a:latin typeface="나눔고딕"/>
                 <a:ea typeface="나눔고딕"/>
               </a:rPr>
-              <a:t> 프로그래밍 언어 : </a:t>
+              <a:t> 프레임 워크 : </a:t>
             </a:r>
             <a:r>
               <a:rPr lang="en-US" altLang="ko-KR" sz="1400" spc="-145">
@@ -6922,8 +6686,18 @@
                 <a:latin typeface="나눔고딕"/>
                 <a:ea typeface="나눔고딕"/>
               </a:rPr>
-              <a:t>Dart</a:t>
-            </a:r>
+              <a:t>Flutter</a:t>
+            </a:r>
+          </a:p>
+          <a:p>
+            <a:pPr algn="just">
+              <a:lnSpc>
+                <a:spcPct val="120000"/>
+              </a:lnSpc>
+              <a:buFont typeface="Arial"/>
+              <a:buChar char="•"/>
+              <a:defRPr lang="ko-KR" altLang="en-US"/>
+            </a:pPr>
             <a:endParaRPr lang="en-US" altLang="ko-KR" sz="1400" spc="-145">
               <a:solidFill>
                 <a:schemeClr val="accent1"/>
@@ -6941,6 +6715,43 @@
               <a:buChar char="•"/>
               <a:defRPr lang="ko-KR" altLang="en-US"/>
             </a:pPr>
+            <a:r>
+              <a:rPr lang="ko-KR" altLang="en-US" sz="1400" spc="-145">
+                <a:solidFill>
+                  <a:schemeClr val="accent1"/>
+                </a:solidFill>
+                <a:latin typeface="나눔고딕"/>
+                <a:ea typeface="나눔고딕"/>
+              </a:rPr>
+              <a:t> 로컬 데이터베이스 :</a:t>
+            </a:r>
+            <a:r>
+              <a:rPr lang="en-US" altLang="ko-KR" sz="1400" spc="-145">
+                <a:solidFill>
+                  <a:schemeClr val="accent1"/>
+                </a:solidFill>
+                <a:latin typeface="나눔고딕"/>
+                <a:ea typeface="나눔고딕"/>
+              </a:rPr>
+              <a:t> Hive</a:t>
+            </a:r>
+            <a:endParaRPr lang="ko-KR" altLang="en-US" sz="1400" spc="-145">
+              <a:solidFill>
+                <a:schemeClr val="accent1"/>
+              </a:solidFill>
+              <a:latin typeface="나눔고딕"/>
+              <a:ea typeface="나눔고딕"/>
+            </a:endParaRPr>
+          </a:p>
+          <a:p>
+            <a:pPr algn="just">
+              <a:lnSpc>
+                <a:spcPct val="120000"/>
+              </a:lnSpc>
+              <a:buFont typeface="Arial"/>
+              <a:buNone/>
+              <a:defRPr lang="ko-KR" altLang="en-US"/>
+            </a:pPr>
             <a:endParaRPr lang="en-US" altLang="ko-KR" sz="1400" spc="-145">
               <a:solidFill>
                 <a:schemeClr val="accent1"/>
@@ -6966,7 +6777,7 @@
                 <a:latin typeface="나눔고딕"/>
                 <a:ea typeface="나눔고딕"/>
               </a:rPr>
-              <a:t> 프레임 워크 : </a:t>
+              <a:t> 디자인 툴 </a:t>
             </a:r>
             <a:r>
               <a:rPr lang="en-US" altLang="ko-KR" sz="1400" spc="-145">
@@ -6976,8 +6787,71 @@
                 <a:latin typeface="나눔고딕"/>
                 <a:ea typeface="나눔고딕"/>
               </a:rPr>
-              <a:t>Flutter</a:t>
-            </a:r>
+              <a:t>: Figma</a:t>
+            </a:r>
+          </a:p>
+        </p:txBody>
+      </p:sp>
+      <p:sp>
+        <p:nvSpPr>
+          <p:cNvPr id="22" name="TextBox 21"/>
+          <p:cNvSpPr txBox="1"/>
+          <p:nvPr/>
+        </p:nvSpPr>
+        <p:spPr>
+          <a:xfrm>
+            <a:off x="3462060" y="2630251"/>
+            <a:ext cx="2345508" cy="1873168"/>
+          </a:xfrm>
+          <a:prstGeom prst="rect">
+            <a:avLst/>
+          </a:prstGeom>
+          <a:noFill/>
+        </p:spPr>
+        <p:txBody>
+          <a:bodyPr wrap="square">
+            <a:spAutoFit/>
+          </a:bodyPr>
+          <a:lstStyle/>
+          <a:p>
+            <a:pPr algn="just">
+              <a:lnSpc>
+                <a:spcPct val="120000"/>
+              </a:lnSpc>
+              <a:buFont typeface="Arial"/>
+              <a:buChar char="•"/>
+              <a:defRPr lang="ko-KR" altLang="en-US"/>
+            </a:pPr>
+            <a:r>
+              <a:rPr lang="ko-KR" altLang="en-US" sz="1400" spc="-145">
+                <a:solidFill>
+                  <a:schemeClr val="accent1"/>
+                </a:solidFill>
+                <a:latin typeface="나눔고딕"/>
+                <a:ea typeface="나눔고딕"/>
+              </a:rPr>
+              <a:t> 아이콘 : </a:t>
+            </a:r>
+            <a:r>
+              <a:rPr lang="en-US" altLang="ko-KR" sz="1400" spc="-145">
+                <a:solidFill>
+                  <a:schemeClr val="accent1"/>
+                </a:solidFill>
+                <a:latin typeface="나눔고딕"/>
+                <a:ea typeface="나눔고딕"/>
+              </a:rPr>
+              <a:t>cupertino_icons</a:t>
+            </a:r>
+          </a:p>
+          <a:p>
+            <a:pPr algn="just">
+              <a:lnSpc>
+                <a:spcPct val="120000"/>
+              </a:lnSpc>
+              <a:buFont typeface="Arial"/>
+              <a:buChar char="•"/>
+              <a:defRPr lang="ko-KR" altLang="en-US"/>
+            </a:pPr>
             <a:endParaRPr lang="en-US" altLang="ko-KR" sz="1400" spc="-145">
               <a:solidFill>
                 <a:schemeClr val="accent1"/>
@@ -6995,6 +6869,36 @@
               <a:buChar char="•"/>
               <a:defRPr lang="ko-KR" altLang="en-US"/>
             </a:pPr>
+            <a:r>
+              <a:rPr lang="ko-KR" altLang="en-US" sz="1400" spc="-145">
+                <a:solidFill>
+                  <a:schemeClr val="accent1"/>
+                </a:solidFill>
+                <a:latin typeface="나눔고딕"/>
+                <a:ea typeface="나눔고딕"/>
+              </a:rPr>
+              <a:t> 캘린더 : </a:t>
+            </a:r>
+            <a:r>
+              <a:rPr lang="en-US" altLang="ko-KR" sz="1400" spc="-145">
+                <a:solidFill>
+                  <a:schemeClr val="accent1"/>
+                </a:solidFill>
+                <a:latin typeface="나눔고딕"/>
+                <a:ea typeface="나눔고딕"/>
+              </a:rPr>
+              <a:t>table_calendar</a:t>
+            </a:r>
+          </a:p>
+          <a:p>
+            <a:pPr algn="just">
+              <a:lnSpc>
+                <a:spcPct val="120000"/>
+              </a:lnSpc>
+              <a:buFont typeface="Arial"/>
+              <a:buChar char="•"/>
+              <a:defRPr lang="ko-KR" altLang="en-US"/>
+            </a:pPr>
             <a:endParaRPr lang="en-US" altLang="ko-KR" sz="1400" spc="-145">
               <a:solidFill>
                 <a:schemeClr val="accent1"/>
@@ -7020,18 +6924,18 @@
                 <a:latin typeface="나눔고딕"/>
                 <a:ea typeface="나눔고딕"/>
               </a:rPr>
-              <a:t> 로컬 데이터베이스 :</a:t>
-            </a:r>
-            <a:r>
-              <a:rPr lang="en-US" altLang="ko-KR" sz="1400" spc="-145">
-                <a:solidFill>
-                  <a:schemeClr val="accent1"/>
-                </a:solidFill>
-                <a:latin typeface="나눔고딕"/>
-                <a:ea typeface="나눔고딕"/>
-              </a:rPr>
-              <a:t> Hive</a:t>
-            </a:r>
+              <a:t> 그래프 : fl_chart</a:t>
+            </a:r>
+          </a:p>
+          <a:p>
+            <a:pPr algn="just">
+              <a:lnSpc>
+                <a:spcPct val="120000"/>
+              </a:lnSpc>
+              <a:buFont typeface="Arial"/>
+              <a:buNone/>
+              <a:defRPr lang="ko-KR" altLang="en-US"/>
+            </a:pPr>
             <a:endParaRPr lang="ko-KR" altLang="en-US" sz="1400" spc="-145">
               <a:solidFill>
                 <a:schemeClr val="accent1"/>
@@ -7046,17 +6950,63 @@
                 <a:spcPct val="120000"/>
               </a:lnSpc>
               <a:buFont typeface="Arial"/>
-              <a:buNone/>
-              <a:defRPr lang="ko-KR" altLang="en-US"/>
-            </a:pPr>
-            <a:endParaRPr lang="en-US" altLang="ko-KR" sz="1400" spc="-145">
-              <a:solidFill>
-                <a:schemeClr val="accent1"/>
-              </a:solidFill>
-              <a:latin typeface="나눔고딕"/>
-              <a:ea typeface="나눔고딕"/>
-            </a:endParaRPr>
-          </a:p>
+              <a:buChar char="•"/>
+              <a:defRPr lang="ko-KR" altLang="en-US"/>
+            </a:pPr>
+            <a:r>
+              <a:rPr lang="ko-KR" altLang="en-US" sz="1400" spc="-145">
+                <a:solidFill>
+                  <a:schemeClr val="accent1"/>
+                </a:solidFill>
+                <a:latin typeface="나눔고딕"/>
+                <a:ea typeface="나눔고딕"/>
+              </a:rPr>
+              <a:t> 날짜</a:t>
+            </a:r>
+            <a:r>
+              <a:rPr lang="en-US" altLang="ko-KR" sz="1400" spc="-145">
+                <a:solidFill>
+                  <a:schemeClr val="accent1"/>
+                </a:solidFill>
+                <a:latin typeface="나눔고딕"/>
+                <a:ea typeface="나눔고딕"/>
+              </a:rPr>
+              <a:t> </a:t>
+            </a:r>
+            <a:r>
+              <a:rPr lang="ko-KR" altLang="en-US" sz="1400" spc="-145">
+                <a:solidFill>
+                  <a:schemeClr val="accent1"/>
+                </a:solidFill>
+                <a:latin typeface="나눔고딕"/>
+                <a:ea typeface="나눔고딕"/>
+              </a:rPr>
+              <a:t>형식화 : intl</a:t>
+            </a:r>
+          </a:p>
+        </p:txBody>
+      </p:sp>
+      <p:sp>
+        <p:nvSpPr>
+          <p:cNvPr id="23" name="TextBox 22"/>
+          <p:cNvSpPr txBox="1"/>
+          <p:nvPr/>
+        </p:nvSpPr>
+        <p:spPr>
+          <a:xfrm>
+            <a:off x="6317337" y="2630251"/>
+            <a:ext cx="2345508" cy="1368344"/>
+          </a:xfrm>
+          <a:prstGeom prst="rect">
+            <a:avLst/>
+          </a:prstGeom>
+          <a:noFill/>
+        </p:spPr>
+        <p:txBody>
+          <a:bodyPr wrap="square">
+            <a:spAutoFit/>
+          </a:bodyPr>
+          <a:lstStyle/>
           <a:p>
             <a:pPr algn="just">
               <a:lnSpc>
@@ -7074,7 +7024,7 @@
                 <a:latin typeface="나눔고딕"/>
                 <a:ea typeface="나눔고딕"/>
               </a:rPr>
-              <a:t> 디자인 툴 </a:t>
+              <a:t> 안드로이드 : </a:t>
             </a:r>
             <a:r>
               <a:rPr lang="en-US" altLang="ko-KR" sz="1400" spc="-145">
@@ -7084,39 +7034,9 @@
                 <a:latin typeface="나눔고딕"/>
                 <a:ea typeface="나눔고딕"/>
               </a:rPr>
-              <a:t>: Figma</a:t>
-            </a:r>
-            <a:endParaRPr lang="en-US" altLang="ko-KR" sz="1400" spc="-145">
-              <a:solidFill>
-                <a:schemeClr val="accent1"/>
-              </a:solidFill>
-              <a:latin typeface="나눔고딕"/>
-              <a:ea typeface="나눔고딕"/>
-            </a:endParaRPr>
-          </a:p>
-        </p:txBody>
-      </p:sp>
-      <p:sp>
-        <p:nvSpPr>
-          <p:cNvPr id="22" name="TextBox 21"/>
-          <p:cNvSpPr txBox="1"/>
-          <p:nvPr/>
-        </p:nvSpPr>
-        <p:spPr>
-          <a:xfrm>
-            <a:off x="3462060" y="2630251"/>
-            <a:ext cx="2345508" cy="1873168"/>
-          </a:xfrm>
-          <a:prstGeom prst="rect">
-            <a:avLst/>
-          </a:prstGeom>
-          <a:noFill/>
-        </p:spPr>
-        <p:txBody>
-          <a:bodyPr wrap="square">
-            <a:spAutoFit/>
-          </a:bodyPr>
-          <a:lstStyle/>
+              <a:t>Google Play</a:t>
+            </a:r>
+          </a:p>
           <a:p>
             <a:pPr algn="just">
               <a:lnSpc>
@@ -7126,124 +7046,6 @@
               <a:buChar char="•"/>
               <a:defRPr lang="ko-KR" altLang="en-US"/>
             </a:pPr>
-            <a:r>
-              <a:rPr lang="ko-KR" altLang="en-US" sz="1400" spc="-145">
-                <a:solidFill>
-                  <a:schemeClr val="accent1"/>
-                </a:solidFill>
-                <a:latin typeface="나눔고딕"/>
-                <a:ea typeface="나눔고딕"/>
-              </a:rPr>
-              <a:t> 아이콘 : </a:t>
-            </a:r>
-            <a:r>
-              <a:rPr lang="en-US" altLang="ko-KR" sz="1400" spc="-145">
-                <a:solidFill>
-                  <a:schemeClr val="accent1"/>
-                </a:solidFill>
-                <a:latin typeface="나눔고딕"/>
-                <a:ea typeface="나눔고딕"/>
-              </a:rPr>
-              <a:t>cupertino_icons</a:t>
-            </a:r>
-            <a:endParaRPr lang="en-US" altLang="ko-KR" sz="1400" spc="-145">
-              <a:solidFill>
-                <a:schemeClr val="accent1"/>
-              </a:solidFill>
-              <a:latin typeface="나눔고딕"/>
-              <a:ea typeface="나눔고딕"/>
-            </a:endParaRPr>
-          </a:p>
-          <a:p>
-            <a:pPr algn="just">
-              <a:lnSpc>
-                <a:spcPct val="120000"/>
-              </a:lnSpc>
-              <a:buFont typeface="Arial"/>
-              <a:buChar char="•"/>
-              <a:defRPr lang="ko-KR" altLang="en-US"/>
-            </a:pPr>
-            <a:endParaRPr lang="en-US" altLang="ko-KR" sz="1400" spc="-145">
-              <a:solidFill>
-                <a:schemeClr val="accent1"/>
-              </a:solidFill>
-              <a:latin typeface="나눔고딕"/>
-              <a:ea typeface="나눔고딕"/>
-            </a:endParaRPr>
-          </a:p>
-          <a:p>
-            <a:pPr algn="just">
-              <a:lnSpc>
-                <a:spcPct val="120000"/>
-              </a:lnSpc>
-              <a:buFont typeface="Arial"/>
-              <a:buChar char="•"/>
-              <a:defRPr lang="ko-KR" altLang="en-US"/>
-            </a:pPr>
-            <a:r>
-              <a:rPr lang="ko-KR" altLang="en-US" sz="1400" spc="-145">
-                <a:solidFill>
-                  <a:schemeClr val="accent1"/>
-                </a:solidFill>
-                <a:latin typeface="나눔고딕"/>
-                <a:ea typeface="나눔고딕"/>
-              </a:rPr>
-              <a:t> 캘린더 : </a:t>
-            </a:r>
-            <a:r>
-              <a:rPr lang="en-US" altLang="ko-KR" sz="1400" spc="-145">
-                <a:solidFill>
-                  <a:schemeClr val="accent1"/>
-                </a:solidFill>
-                <a:latin typeface="나눔고딕"/>
-                <a:ea typeface="나눔고딕"/>
-              </a:rPr>
-              <a:t>table_calendar</a:t>
-            </a:r>
-            <a:endParaRPr lang="en-US" altLang="ko-KR" sz="1400" spc="-145">
-              <a:solidFill>
-                <a:schemeClr val="accent1"/>
-              </a:solidFill>
-              <a:latin typeface="나눔고딕"/>
-              <a:ea typeface="나눔고딕"/>
-            </a:endParaRPr>
-          </a:p>
-          <a:p>
-            <a:pPr algn="just">
-              <a:lnSpc>
-                <a:spcPct val="120000"/>
-              </a:lnSpc>
-              <a:buFont typeface="Arial"/>
-              <a:buChar char="•"/>
-              <a:defRPr lang="ko-KR" altLang="en-US"/>
-            </a:pPr>
-            <a:endParaRPr lang="en-US" altLang="ko-KR" sz="1400" spc="-145">
-              <a:solidFill>
-                <a:schemeClr val="accent1"/>
-              </a:solidFill>
-              <a:latin typeface="나눔고딕"/>
-              <a:ea typeface="나눔고딕"/>
-            </a:endParaRPr>
-          </a:p>
-          <a:p>
-            <a:pPr algn="just">
-              <a:lnSpc>
-                <a:spcPct val="120000"/>
-              </a:lnSpc>
-              <a:buFont typeface="Arial"/>
-              <a:buChar char="•"/>
-              <a:defRPr lang="ko-KR" altLang="en-US"/>
-            </a:pPr>
-            <a:r>
-              <a:rPr lang="ko-KR" altLang="en-US" sz="1400" spc="-145">
-                <a:solidFill>
-                  <a:schemeClr val="accent1"/>
-                </a:solidFill>
-                <a:latin typeface="나눔고딕"/>
-                <a:ea typeface="나눔고딕"/>
-              </a:rPr>
-              <a:t> 그래프 : fl_chart</a:t>
-            </a:r>
             <a:endParaRPr lang="ko-KR" altLang="en-US" sz="1400" spc="-145">
               <a:solidFill>
                 <a:schemeClr val="accent1"/>
@@ -7258,7 +7060,47 @@
                 <a:spcPct val="120000"/>
               </a:lnSpc>
               <a:buFont typeface="Arial"/>
-              <a:buNone/>
+              <a:buChar char="•"/>
+              <a:defRPr lang="ko-KR" altLang="en-US"/>
+            </a:pPr>
+            <a:r>
+              <a:rPr lang="en-US" altLang="ko-KR" sz="1400" spc="-145">
+                <a:solidFill>
+                  <a:schemeClr val="accent1"/>
+                </a:solidFill>
+                <a:latin typeface="나눔고딕"/>
+                <a:ea typeface="나눔고딕"/>
+              </a:rPr>
+              <a:t> IOS :</a:t>
+            </a:r>
+            <a:r>
+              <a:rPr lang="ko-KR" altLang="en-US" sz="1400" spc="-145">
+                <a:solidFill>
+                  <a:schemeClr val="accent1"/>
+                </a:solidFill>
+                <a:latin typeface="나눔고딕"/>
+                <a:ea typeface="나눔고딕"/>
+              </a:rPr>
+              <a:t> </a:t>
+            </a:r>
+            <a:r>
+              <a:rPr lang="en-US" altLang="ko-KR" sz="1400" spc="-145">
+                <a:solidFill>
+                  <a:schemeClr val="accent1"/>
+                </a:solidFill>
+                <a:latin typeface="나눔고딕"/>
+                <a:ea typeface="나눔고딕"/>
+              </a:rPr>
+              <a:t>Apple App Store</a:t>
+            </a:r>
+          </a:p>
+          <a:p>
+            <a:pPr algn="just">
+              <a:lnSpc>
+                <a:spcPct val="120000"/>
+              </a:lnSpc>
+              <a:buFont typeface="Arial"/>
+              <a:buChar char="•"/>
               <a:defRPr lang="ko-KR" altLang="en-US"/>
             </a:pPr>
             <a:endParaRPr lang="ko-KR" altLang="en-US" sz="1400" spc="-145">
@@ -7286,7 +7128,50 @@
                 <a:latin typeface="나눔고딕"/>
                 <a:ea typeface="나눔고딕"/>
               </a:rPr>
-              <a:t> 날짜</a:t>
+              <a:t> 테스트 : 에뮬레이터</a:t>
+            </a:r>
+          </a:p>
+        </p:txBody>
+      </p:sp>
+      <p:sp>
+        <p:nvSpPr>
+          <p:cNvPr id="24" name="TextBox 23"/>
+          <p:cNvSpPr txBox="1"/>
+          <p:nvPr/>
+        </p:nvSpPr>
+        <p:spPr>
+          <a:xfrm>
+            <a:off x="9182158" y="2630251"/>
+            <a:ext cx="2345508" cy="1615994"/>
+          </a:xfrm>
+          <a:prstGeom prst="rect">
+            <a:avLst/>
+          </a:prstGeom>
+          <a:noFill/>
+        </p:spPr>
+        <p:txBody>
+          <a:bodyPr wrap="square">
+            <a:spAutoFit/>
+          </a:bodyPr>
+          <a:lstStyle/>
+          <a:p>
+            <a:pPr algn="just">
+              <a:lnSpc>
+                <a:spcPct val="120000"/>
+              </a:lnSpc>
+              <a:buFont typeface="Arial"/>
+              <a:buChar char="•"/>
+              <a:defRPr lang="ko-KR" altLang="en-US"/>
+            </a:pPr>
+            <a:r>
+              <a:rPr lang="ko-KR" altLang="en-US" sz="1400" spc="-145">
+                <a:solidFill>
+                  <a:schemeClr val="accent1"/>
+                </a:solidFill>
+                <a:latin typeface="나눔고딕"/>
+                <a:ea typeface="나눔고딕"/>
+              </a:rPr>
+              <a:t> 코드 관리, 백업 : </a:t>
             </a:r>
             <a:r>
               <a:rPr lang="en-US" altLang="ko-KR" sz="1400" spc="-145">
@@ -7296,18 +7181,18 @@
                 <a:latin typeface="나눔고딕"/>
                 <a:ea typeface="나눔고딕"/>
               </a:rPr>
-              <a:t> </a:t>
-            </a:r>
-            <a:r>
-              <a:rPr lang="ko-KR" altLang="en-US" sz="1400" spc="-145">
-                <a:solidFill>
-                  <a:schemeClr val="accent1"/>
-                </a:solidFill>
-                <a:latin typeface="나눔고딕"/>
-                <a:ea typeface="나눔고딕"/>
-              </a:rPr>
-              <a:t>형식화 : intl</a:t>
-            </a:r>
+              <a:t>GitHub</a:t>
+            </a:r>
+          </a:p>
+          <a:p>
+            <a:pPr algn="just">
+              <a:lnSpc>
+                <a:spcPct val="120000"/>
+              </a:lnSpc>
+              <a:buFont typeface="Arial"/>
+              <a:buChar char="•"/>
+              <a:defRPr lang="ko-KR" altLang="en-US"/>
+            </a:pPr>
             <a:endParaRPr lang="ko-KR" altLang="en-US" sz="1400" spc="-145">
               <a:solidFill>
                 <a:schemeClr val="accent1"/>
@@ -7316,29 +7201,6 @@
               <a:ea typeface="나눔고딕"/>
             </a:endParaRPr>
           </a:p>
-        </p:txBody>
-      </p:sp>
-      <p:sp>
-        <p:nvSpPr>
-          <p:cNvPr id="23" name="TextBox 22"/>
-          <p:cNvSpPr txBox="1"/>
-          <p:nvPr/>
-        </p:nvSpPr>
-        <p:spPr>
-          <a:xfrm>
-            <a:off x="6317337" y="2630251"/>
-            <a:ext cx="2345508" cy="1368344"/>
-          </a:xfrm>
-          <a:prstGeom prst="rect">
-            <a:avLst/>
-          </a:prstGeom>
-          <a:noFill/>
-        </p:spPr>
-        <p:txBody>
-          <a:bodyPr wrap="square">
-            <a:spAutoFit/>
-          </a:bodyPr>
-          <a:lstStyle/>
           <a:p>
             <a:pPr algn="just">
               <a:lnSpc>
@@ -7356,7 +7218,7 @@
                 <a:latin typeface="나눔고딕"/>
                 <a:ea typeface="나눔고딕"/>
               </a:rPr>
-              <a:t> 안드로이드 : </a:t>
+              <a:t> 문서화 : </a:t>
             </a:r>
             <a:r>
               <a:rPr lang="en-US" altLang="ko-KR" sz="1400" spc="-145">
@@ -7366,25 +7228,8 @@
                 <a:latin typeface="나눔고딕"/>
                 <a:ea typeface="나눔고딕"/>
               </a:rPr>
-              <a:t>Google Play</a:t>
-            </a:r>
-            <a:endParaRPr lang="en-US" altLang="ko-KR" sz="1400" spc="-145">
-              <a:solidFill>
-                <a:schemeClr val="accent1"/>
-              </a:solidFill>
-              <a:latin typeface="나눔고딕"/>
-              <a:ea typeface="나눔고딕"/>
-            </a:endParaRPr>
-          </a:p>
-          <a:p>
-            <a:pPr algn="just">
-              <a:lnSpc>
-                <a:spcPct val="120000"/>
-              </a:lnSpc>
-              <a:buFont typeface="Arial"/>
-              <a:buChar char="•"/>
-              <a:defRPr lang="ko-KR" altLang="en-US"/>
-            </a:pPr>
+              <a:t>PPT</a:t>
+            </a:r>
             <a:endParaRPr lang="ko-KR" altLang="en-US" sz="1400" spc="-145">
               <a:solidFill>
                 <a:schemeClr val="accent1"/>
@@ -7402,53 +7247,6 @@
               <a:buChar char="•"/>
               <a:defRPr lang="ko-KR" altLang="en-US"/>
             </a:pPr>
-            <a:r>
-              <a:rPr lang="en-US" altLang="ko-KR" sz="1400" spc="-145">
-                <a:solidFill>
-                  <a:schemeClr val="accent1"/>
-                </a:solidFill>
-                <a:latin typeface="나눔고딕"/>
-                <a:ea typeface="나눔고딕"/>
-              </a:rPr>
-              <a:t> IOS :</a:t>
-            </a:r>
-            <a:r>
-              <a:rPr lang="ko-KR" altLang="en-US" sz="1400" spc="-145">
-                <a:solidFill>
-                  <a:schemeClr val="accent1"/>
-                </a:solidFill>
-                <a:latin typeface="나눔고딕"/>
-                <a:ea typeface="나눔고딕"/>
-              </a:rPr>
-              <a:t> </a:t>
-            </a:r>
-            <a:r>
-              <a:rPr lang="en-US" altLang="ko-KR" sz="1400" spc="-145">
-                <a:solidFill>
-                  <a:schemeClr val="accent1"/>
-                </a:solidFill>
-                <a:latin typeface="나눔고딕"/>
-                <a:ea typeface="나눔고딕"/>
-              </a:rPr>
-              <a:t>Apple App Store</a:t>
-            </a:r>
-            <a:endParaRPr lang="en-US" altLang="ko-KR" sz="1400" spc="-145">
-              <a:solidFill>
-                <a:schemeClr val="accent1"/>
-              </a:solidFill>
-              <a:latin typeface="나눔고딕"/>
-              <a:ea typeface="나눔고딕"/>
-            </a:endParaRPr>
-          </a:p>
-          <a:p>
-            <a:pPr algn="just">
-              <a:lnSpc>
-                <a:spcPct val="120000"/>
-              </a:lnSpc>
-              <a:buFont typeface="Arial"/>
-              <a:buChar char="•"/>
-              <a:defRPr lang="ko-KR" altLang="en-US"/>
-            </a:pPr>
             <a:endParaRPr lang="ko-KR" altLang="en-US" sz="1400" spc="-145">
               <a:solidFill>
                 <a:schemeClr val="accent1"/>
@@ -7474,8 +7272,18 @@
                 <a:latin typeface="나눔고딕"/>
                 <a:ea typeface="나눔고딕"/>
               </a:rPr>
-              <a:t> 테스트 : 에뮬레이터</a:t>
-            </a:r>
+              <a:t> </a:t>
+            </a:r>
+          </a:p>
+          <a:p>
+            <a:pPr algn="just">
+              <a:lnSpc>
+                <a:spcPct val="120000"/>
+              </a:lnSpc>
+              <a:buFont typeface="Arial"/>
+              <a:buChar char="•"/>
+              <a:defRPr lang="ko-KR" altLang="en-US"/>
+            </a:pPr>
             <a:endParaRPr lang="ko-KR" altLang="en-US" sz="1400" spc="-145">
               <a:solidFill>
                 <a:schemeClr val="accent1"/>
@@ -7488,14 +7296,14 @@
       </p:sp>
       <p:sp>
         <p:nvSpPr>
-          <p:cNvPr id="24" name="TextBox 23"/>
+          <p:cNvPr id="25" name="TextBox 4"/>
           <p:cNvSpPr txBox="1"/>
           <p:nvPr/>
         </p:nvSpPr>
         <p:spPr>
           <a:xfrm>
-            <a:off x="9182158" y="2630251"/>
-            <a:ext cx="2345508" cy="1615994"/>
+            <a:off x="572916" y="479781"/>
+            <a:ext cx="2214513" cy="523220"/>
           </a:xfrm>
           <a:prstGeom prst="rect">
             <a:avLst/>
@@ -7508,203 +7316,23 @@
           </a:bodyPr>
           <a:lstStyle/>
           <a:p>
-            <a:pPr algn="just">
-              <a:lnSpc>
-                <a:spcPct val="120000"/>
-              </a:lnSpc>
-              <a:buFont typeface="Arial"/>
-              <a:buChar char="•"/>
-              <a:defRPr lang="ko-KR" altLang="en-US"/>
-            </a:pPr>
-            <a:r>
-              <a:rPr lang="ko-KR" altLang="en-US" sz="1400" spc="-145">
+            <a:pPr lvl="0">
+              <a:defRPr lang="ko-KR" altLang="en-US"/>
+            </a:pPr>
+            <a:r>
+              <a:rPr lang="ko-KR" altLang="en-US" sz="2800" b="1" spc="-285">
                 <a:solidFill>
                   <a:schemeClr val="accent1"/>
                 </a:solidFill>
-                <a:latin typeface="나눔고딕"/>
-                <a:ea typeface="나눔고딕"/>
-              </a:rPr>
-              <a:t> 코드 관리, 백업 : </a:t>
-            </a:r>
-            <a:r>
-              <a:rPr lang="en-US" altLang="ko-KR" sz="1400" spc="-145">
-                <a:solidFill>
-                  <a:schemeClr val="accent1"/>
-                </a:solidFill>
-                <a:latin typeface="나눔고딕"/>
-                <a:ea typeface="나눔고딕"/>
-              </a:rPr>
-              <a:t>GitHub</a:t>
-            </a:r>
-            <a:endParaRPr lang="en-US" altLang="ko-KR" sz="1400" spc="-145">
-              <a:solidFill>
-                <a:schemeClr val="accent1"/>
-              </a:solidFill>
-              <a:latin typeface="나눔고딕"/>
-              <a:ea typeface="나눔고딕"/>
-            </a:endParaRPr>
-          </a:p>
-          <a:p>
-            <a:pPr algn="just">
-              <a:lnSpc>
-                <a:spcPct val="120000"/>
-              </a:lnSpc>
-              <a:buFont typeface="Arial"/>
-              <a:buChar char="•"/>
-              <a:defRPr lang="ko-KR" altLang="en-US"/>
-            </a:pPr>
-            <a:endParaRPr lang="ko-KR" altLang="en-US" sz="1400" spc="-145">
-              <a:solidFill>
-                <a:schemeClr val="accent1"/>
-              </a:solidFill>
-              <a:latin typeface="나눔고딕"/>
-              <a:ea typeface="나눔고딕"/>
-            </a:endParaRPr>
-          </a:p>
-          <a:p>
-            <a:pPr algn="just">
-              <a:lnSpc>
-                <a:spcPct val="120000"/>
-              </a:lnSpc>
-              <a:buFont typeface="Arial"/>
-              <a:buChar char="•"/>
-              <a:defRPr lang="ko-KR" altLang="en-US"/>
-            </a:pPr>
-            <a:r>
-              <a:rPr lang="ko-KR" altLang="en-US" sz="1400" spc="-145">
-                <a:solidFill>
-                  <a:schemeClr val="accent1"/>
-                </a:solidFill>
-                <a:latin typeface="나눔고딕"/>
-                <a:ea typeface="나눔고딕"/>
-              </a:rPr>
-              <a:t> 문서화 : </a:t>
-            </a:r>
-            <a:r>
-              <a:rPr lang="en-US" altLang="ko-KR" sz="1400" spc="-145">
-                <a:solidFill>
-                  <a:schemeClr val="accent1"/>
-                </a:solidFill>
-                <a:latin typeface="나눔고딕"/>
-                <a:ea typeface="나눔고딕"/>
-              </a:rPr>
-              <a:t>PPT</a:t>
-            </a:r>
-            <a:endParaRPr lang="ko-KR" altLang="en-US" sz="1400" spc="-145">
-              <a:solidFill>
-                <a:schemeClr val="accent1"/>
-              </a:solidFill>
-              <a:latin typeface="나눔고딕"/>
-              <a:ea typeface="나눔고딕"/>
-            </a:endParaRPr>
-          </a:p>
-          <a:p>
-            <a:pPr algn="just">
-              <a:lnSpc>
-                <a:spcPct val="120000"/>
-              </a:lnSpc>
-              <a:buFont typeface="Arial"/>
-              <a:buChar char="•"/>
-              <a:defRPr lang="ko-KR" altLang="en-US"/>
-            </a:pPr>
-            <a:endParaRPr lang="ko-KR" altLang="en-US" sz="1400" spc="-145">
-              <a:solidFill>
-                <a:schemeClr val="accent1"/>
-              </a:solidFill>
-              <a:latin typeface="나눔고딕"/>
-              <a:ea typeface="나눔고딕"/>
-            </a:endParaRPr>
-          </a:p>
-          <a:p>
-            <a:pPr algn="just">
-              <a:lnSpc>
-                <a:spcPct val="120000"/>
-              </a:lnSpc>
-              <a:buFont typeface="Arial"/>
-              <a:buChar char="•"/>
-              <a:defRPr lang="ko-KR" altLang="en-US"/>
-            </a:pPr>
-            <a:r>
-              <a:rPr lang="ko-KR" altLang="en-US" sz="1400" spc="-145">
-                <a:solidFill>
-                  <a:schemeClr val="accent1"/>
-                </a:solidFill>
-                <a:latin typeface="나눔고딕"/>
-                <a:ea typeface="나눔고딕"/>
-              </a:rPr>
-              <a:t> </a:t>
-            </a:r>
-            <a:endParaRPr lang="ko-KR" altLang="en-US" sz="1400" spc="-145">
-              <a:solidFill>
-                <a:schemeClr val="accent1"/>
-              </a:solidFill>
-              <a:latin typeface="나눔고딕"/>
-              <a:ea typeface="나눔고딕"/>
-            </a:endParaRPr>
-          </a:p>
-          <a:p>
-            <a:pPr algn="just">
-              <a:lnSpc>
-                <a:spcPct val="120000"/>
-              </a:lnSpc>
-              <a:buFont typeface="Arial"/>
-              <a:buChar char="•"/>
-              <a:defRPr lang="ko-KR" altLang="en-US"/>
-            </a:pPr>
-            <a:endParaRPr lang="ko-KR" altLang="en-US" sz="1400" spc="-145">
-              <a:solidFill>
-                <a:schemeClr val="accent1"/>
-              </a:solidFill>
-              <a:latin typeface="나눔고딕"/>
-              <a:ea typeface="나눔고딕"/>
-            </a:endParaRPr>
-          </a:p>
-        </p:txBody>
-      </p:sp>
-      <p:sp>
-        <p:nvSpPr>
-          <p:cNvPr id="25" name="TextBox 4"/>
-          <p:cNvSpPr txBox="1"/>
-          <p:nvPr/>
-        </p:nvSpPr>
-        <p:spPr>
-          <a:xfrm>
-            <a:off x="572916" y="479781"/>
-            <a:ext cx="2214513" cy="523220"/>
-          </a:xfrm>
-          <a:prstGeom prst="rect">
-            <a:avLst/>
-          </a:prstGeom>
-          <a:noFill/>
-        </p:spPr>
-        <p:txBody>
-          <a:bodyPr wrap="square">
-            <a:spAutoFit/>
-          </a:bodyPr>
-          <a:lstStyle/>
-          <a:p>
-            <a:pPr lvl="0">
-              <a:defRPr lang="ko-KR" altLang="en-US"/>
-            </a:pPr>
-            <a:r>
-              <a:rPr lang="ko-KR" altLang="en-US" sz="2800" b="1" spc="-285">
-                <a:solidFill>
-                  <a:schemeClr val="accent1"/>
-                </a:solidFill>
               </a:rPr>
               <a:t>리소스 계획</a:t>
             </a:r>
-            <a:endParaRPr lang="ko-KR" altLang="en-US" sz="2800" b="1" spc="-285">
-              <a:solidFill>
-                <a:schemeClr val="accent1"/>
-              </a:solidFill>
-            </a:endParaRPr>
-          </a:p>
-        </p:txBody>
-      </p:sp>
-      <p:sp>
-        <p:nvSpPr>
-          <p:cNvPr id="26" name=""/>
+          </a:p>
+        </p:txBody>
+      </p:sp>
+      <p:sp>
+        <p:nvSpPr>
+          <p:cNvPr id="26" name="한쪽 모서리는 잘리고 다른 쪽 모서리는 둥근 사각형 25"/>
           <p:cNvSpPr/>
           <p:nvPr/>
         </p:nvSpPr>
@@ -7760,12 +7388,12 @@
   <p:clrMapOvr>
     <a:masterClrMapping/>
   </p:clrMapOvr>
-  <p:transition xmlns:mc="http://schemas.openxmlformats.org/markup-compatibility/2006" xmlns:hp="http://schemas.haansoft.com/office/presentation/8.0" mc:Ignorable="hp" hp:hslDur="500"/>
+  <p:transition/>
 </p:sld>
 </file>
 
 <file path=ppt/slides/slide7.xml><?xml version="1.0" encoding="utf-8"?>
-<p:sld xmlns:r="http://schemas.openxmlformats.org/officeDocument/2006/relationships" xmlns:c="http://schemas.openxmlformats.org/drawingml/2006/chart" xmlns:a="http://schemas.openxmlformats.org/drawingml/2006/main" xmlns:dgm="http://schemas.openxmlformats.org/drawingml/2006/diagram" xmlns:dsp="http://schemas.microsoft.com/office/drawing/2008/diagram" xmlns:p="http://schemas.openxmlformats.org/presentationml/2006/main">
+<p:sld xmlns:a="http://schemas.openxmlformats.org/drawingml/2006/main" xmlns:r="http://schemas.openxmlformats.org/officeDocument/2006/relationships" xmlns:p="http://schemas.openxmlformats.org/presentationml/2006/main">
   <p:cSld>
     <p:spTree>
       <p:nvGrpSpPr>
@@ -7884,11 +7512,6 @@
               </a:rPr>
               <a:t>리스크 관리</a:t>
             </a:r>
-            <a:endParaRPr lang="ko-KR" altLang="en-US" sz="2800" b="1" spc="-285">
-              <a:solidFill>
-                <a:schemeClr val="accent1"/>
-              </a:solidFill>
-            </a:endParaRPr>
           </a:p>
         </p:txBody>
       </p:sp>
@@ -8135,7 +7758,7 @@
             <a:avLst/>
           </a:prstGeom>
           <a:solidFill>
-            <a:srgbClr val="ffffff">
+            <a:srgbClr val="FFFFFF">
               <a:alpha val="4000"/>
             </a:srgbClr>
           </a:solidFill>
@@ -8505,7 +8128,7 @@
             <a:avLst/>
           </a:prstGeom>
           <a:solidFill>
-            <a:srgbClr val="ffffff">
+            <a:srgbClr val="FFFFFF">
               <a:alpha val="4000"/>
             </a:srgbClr>
           </a:solidFill>
@@ -8709,14 +8332,6 @@
               </a:rPr>
               <a:t>확인하고, 앱 아이콘, 스토어 등록 정보 등을 준비</a:t>
             </a:r>
-            <a:endParaRPr lang="en-US" sz="1250">
-              <a:solidFill>
-                <a:schemeClr val="accent2"/>
-              </a:solidFill>
-              <a:latin typeface="나눔고딕"/>
-              <a:ea typeface="나눔고딕"/>
-              <a:cs typeface="Source Sans Pro"/>
-            </a:endParaRPr>
           </a:p>
         </p:txBody>
       </p:sp>
@@ -8939,14 +8554,6 @@
               </a:rPr>
               <a:t>스트로 오류를 최소화</a:t>
             </a:r>
-            <a:endParaRPr lang="en-US" sz="1250">
-              <a:solidFill>
-                <a:schemeClr val="accent2"/>
-              </a:solidFill>
-              <a:latin typeface="나눔고딕"/>
-              <a:ea typeface="나눔고딕"/>
-              <a:cs typeface="Source Sans Pro"/>
-            </a:endParaRPr>
           </a:p>
         </p:txBody>
       </p:sp>
@@ -9099,7 +8706,7 @@
       </p:sp>
       <p:sp>
         <p:nvSpPr>
-          <p:cNvPr id="51" name=""/>
+          <p:cNvPr id="51" name="한쪽 모서리는 잘리고 다른 쪽 모서리는 둥근 사각형 50"/>
           <p:cNvSpPr/>
           <p:nvPr/>
         </p:nvSpPr>
@@ -9155,12 +8762,12 @@
   <p:clrMapOvr>
     <a:masterClrMapping/>
   </p:clrMapOvr>
-  <p:transition xmlns:mc="http://schemas.openxmlformats.org/markup-compatibility/2006" xmlns:hp="http://schemas.haansoft.com/office/presentation/8.0" mc:Ignorable="hp" hp:hslDur="500"/>
+  <p:transition/>
 </p:sld>
 </file>
 
 <file path=ppt/slides/slide8.xml><?xml version="1.0" encoding="utf-8"?>
-<p:sld xmlns:r="http://schemas.openxmlformats.org/officeDocument/2006/relationships" xmlns:c="http://schemas.openxmlformats.org/drawingml/2006/chart" xmlns:a="http://schemas.openxmlformats.org/drawingml/2006/main" xmlns:dgm="http://schemas.openxmlformats.org/drawingml/2006/diagram" xmlns:dsp="http://schemas.microsoft.com/office/drawing/2008/diagram" xmlns:p="http://schemas.openxmlformats.org/presentationml/2006/main">
+<p:sld xmlns:a="http://schemas.openxmlformats.org/drawingml/2006/main" xmlns:r="http://schemas.openxmlformats.org/officeDocument/2006/relationships" xmlns:p="http://schemas.openxmlformats.org/presentationml/2006/main">
   <p:cSld>
     <p:spTree>
       <p:nvGrpSpPr>
@@ -9279,11 +8886,6 @@
               </a:rPr>
               <a:t>커뮤니케이션 관리</a:t>
             </a:r>
-            <a:endParaRPr lang="ko-KR" altLang="en-US" sz="2800" b="1" spc="-285">
-              <a:solidFill>
-                <a:schemeClr val="accent1"/>
-              </a:solidFill>
-            </a:endParaRPr>
           </a:p>
         </p:txBody>
       </p:sp>
@@ -9354,14 +8956,6 @@
               </a:rPr>
               <a:t>매일 작업한 내용을 기록하고, 중요한</a:t>
             </a:r>
-            <a:endParaRPr lang="en-US" sz="1600">
-              <a:solidFill>
-                <a:schemeClr val="accent1"/>
-              </a:solidFill>
-              <a:latin typeface="나눔고딕"/>
-              <a:ea typeface="나눔고딕"/>
-              <a:cs typeface="Source Sans Pro"/>
-            </a:endParaRPr>
           </a:p>
           <a:p>
             <a:pPr marL="0" indent="0" algn="r">
@@ -9483,14 +9077,6 @@
               </a:rPr>
               <a:t>매주 진행 상황을 점검하고, </a:t>
             </a:r>
-            <a:endParaRPr lang="en-US" sz="1600">
-              <a:solidFill>
-                <a:schemeClr val="accent1"/>
-              </a:solidFill>
-              <a:latin typeface="나눔고딕"/>
-              <a:ea typeface="나눔고딕"/>
-              <a:cs typeface="Source Sans Pro"/>
-            </a:endParaRPr>
           </a:p>
           <a:p>
             <a:pPr marL="0" indent="0" algn="l">
@@ -9623,14 +9209,6 @@
               </a:rPr>
               <a:t> 동료나 친구에게 보여주고 </a:t>
             </a:r>
-            <a:endParaRPr lang="en-US" sz="1600">
-              <a:solidFill>
-                <a:schemeClr val="accent1"/>
-              </a:solidFill>
-              <a:latin typeface="나눔고딕"/>
-              <a:ea typeface="나눔고딕"/>
-              <a:cs typeface="Source Sans Pro"/>
-            </a:endParaRPr>
           </a:p>
           <a:p>
             <a:pPr marL="0" indent="0" algn="l">
@@ -9651,14 +9229,6 @@
               </a:rPr>
               <a:t>피드백을 받아 수정합니다.</a:t>
             </a:r>
-            <a:endParaRPr lang="en-US" sz="1600">
-              <a:solidFill>
-                <a:schemeClr val="accent1"/>
-              </a:solidFill>
-              <a:latin typeface="나눔고딕"/>
-              <a:ea typeface="나눔고딕"/>
-              <a:cs typeface="Source Sans Pro"/>
-            </a:endParaRPr>
           </a:p>
         </p:txBody>
       </p:sp>
@@ -9753,14 +9323,6 @@
               </a:rPr>
               <a:t>GitHub 또는 GitLab을 사용하여</a:t>
             </a:r>
-            <a:endParaRPr lang="en-US" sz="1600">
-              <a:solidFill>
-                <a:schemeClr val="accent1"/>
-              </a:solidFill>
-              <a:latin typeface="나눔고딕"/>
-              <a:ea typeface="나눔고딕"/>
-              <a:cs typeface="Source Sans Pro"/>
-            </a:endParaRPr>
           </a:p>
           <a:p>
             <a:pPr marL="0" indent="0" algn="r">
@@ -9865,7 +9427,7 @@
       </p:pic>
       <p:sp>
         <p:nvSpPr>
-          <p:cNvPr id="106" name=""/>
+          <p:cNvPr id="106" name="한쪽 모서리는 잘리고 다른 쪽 모서리는 둥근 사각형 105"/>
           <p:cNvSpPr/>
           <p:nvPr/>
         </p:nvSpPr>
@@ -9921,12 +9483,12 @@
   <p:clrMapOvr>
     <a:masterClrMapping/>
   </p:clrMapOvr>
-  <p:transition xmlns:mc="http://schemas.openxmlformats.org/markup-compatibility/2006" xmlns:hp="http://schemas.haansoft.com/office/presentation/8.0" mc:Ignorable="hp" hp:hslDur="500"/>
+  <p:transition/>
 </p:sld>
 </file>
 
 <file path=ppt/slides/slide9.xml><?xml version="1.0" encoding="utf-8"?>
-<p:sld xmlns:r="http://schemas.openxmlformats.org/officeDocument/2006/relationships" xmlns:c="http://schemas.openxmlformats.org/drawingml/2006/chart" xmlns:a="http://schemas.openxmlformats.org/drawingml/2006/main" xmlns:dgm="http://schemas.openxmlformats.org/drawingml/2006/diagram" xmlns:dsp="http://schemas.microsoft.com/office/drawing/2008/diagram" xmlns:p="http://schemas.openxmlformats.org/presentationml/2006/main">
+<p:sld xmlns:a="http://schemas.openxmlformats.org/drawingml/2006/main" xmlns:r="http://schemas.openxmlformats.org/officeDocument/2006/relationships" xmlns:p="http://schemas.openxmlformats.org/presentationml/2006/main">
   <p:cSld>
     <p:spTree>
       <p:nvGrpSpPr>
@@ -10045,11 +9607,6 @@
               </a:rPr>
               <a:t>요약 및 마무리</a:t>
             </a:r>
-            <a:endParaRPr lang="ko-KR" altLang="en-US" sz="2800" b="1" spc="-285">
-              <a:solidFill>
-                <a:schemeClr val="accent1"/>
-              </a:solidFill>
-            </a:endParaRPr>
           </a:p>
         </p:txBody>
       </p:sp>
@@ -10410,7 +9967,7 @@
             </a:avLst>
           </a:prstGeom>
           <a:solidFill>
-            <a:srgbClr val="d8d4d4"/>
+            <a:srgbClr val="D8D4D4"/>
           </a:solidFill>
           <a:ln/>
         </p:spPr>
@@ -10591,7 +10148,7 @@
             </a:avLst>
           </a:prstGeom>
           <a:solidFill>
-            <a:srgbClr val="d8d4d4"/>
+            <a:srgbClr val="D8D4D4"/>
           </a:solidFill>
           <a:ln/>
         </p:spPr>
@@ -10838,14 +10395,6 @@
               </a:rPr>
               <a:t> 앱</a:t>
             </a:r>
-            <a:endParaRPr lang="en-US" sz="1550" b="1">
-              <a:solidFill>
-                <a:schemeClr val="accent1"/>
-              </a:solidFill>
-              <a:latin typeface="나눔고딕"/>
-              <a:ea typeface="나눔고딕"/>
-              <a:cs typeface="Source Sans Pro"/>
-            </a:endParaRPr>
           </a:p>
         </p:txBody>
       </p:sp>
@@ -10906,14 +10455,6 @@
               </a:rPr>
               <a:t>메모와 지출 및 수입의 기록, 통계 기능을 통해 사용자의 경제적 관리를 더 쉽게 할 수 있도록 함</a:t>
             </a:r>
-            <a:endParaRPr lang="ko-KR" altLang="en-US" sz="1550" b="1" spc="-191">
-              <a:solidFill>
-                <a:schemeClr val="accent1"/>
-              </a:solidFill>
-              <a:latin typeface="나눔고딕"/>
-              <a:ea typeface="나눔고딕"/>
-              <a:cs typeface="맑은 고딕"/>
-            </a:endParaRPr>
           </a:p>
         </p:txBody>
       </p:sp>
@@ -10934,7 +10475,7 @@
             </a:avLst>
           </a:prstGeom>
           <a:solidFill>
-            <a:srgbClr val="d8d4d4"/>
+            <a:srgbClr val="D8D4D4"/>
           </a:solidFill>
           <a:ln/>
         </p:spPr>
@@ -10954,7 +10495,7 @@
       </p:sp>
       <p:sp>
         <p:nvSpPr>
-          <p:cNvPr id="149" name=""/>
+          <p:cNvPr id="149" name="직사각형 148"/>
           <p:cNvSpPr/>
           <p:nvPr/>
         </p:nvSpPr>
@@ -10993,6 +10534,7 @@
           <a:bodyPr vert="horz" wrap="square" lIns="91440" tIns="45720" rIns="91440" bIns="45720" anchor="ctr">
             <a:noAutofit/>
           </a:bodyPr>
+          <a:lstStyle/>
           <a:p>
             <a:pPr algn="ctr">
               <a:defRPr lang="ko-KR" altLang="en-US"/>
@@ -11003,7 +10545,7 @@
       </p:sp>
       <p:sp>
         <p:nvSpPr>
-          <p:cNvPr id="150" name=""/>
+          <p:cNvPr id="150" name="한쪽 모서리는 잘리고 다른 쪽 모서리는 둥근 사각형 149"/>
           <p:cNvSpPr/>
           <p:nvPr/>
         </p:nvSpPr>
@@ -11045,6 +10587,7 @@
           <a:bodyPr vert="horz" wrap="square" lIns="91440" tIns="45720" rIns="91440" bIns="45720" anchor="ctr">
             <a:noAutofit/>
           </a:bodyPr>
+          <a:lstStyle/>
           <a:p>
             <a:pPr algn="ctr">
               <a:defRPr lang="ko-KR" altLang="en-US"/>
@@ -11058,49 +10601,49 @@
   <p:clrMapOvr>
     <a:masterClrMapping/>
   </p:clrMapOvr>
-  <p:transition xmlns:mc="http://schemas.openxmlformats.org/markup-compatibility/2006" xmlns:hp="http://schemas.haansoft.com/office/presentation/8.0" mc:Ignorable="hp" hp:hslDur="500"/>
+  <p:transition/>
 </p:sld>
 </file>
 
 <file path=ppt/theme/theme1.xml><?xml version="1.0" encoding="utf-8"?>
-<a:theme xmlns:r="http://schemas.openxmlformats.org/officeDocument/2006/relationships" xmlns:c="http://schemas.openxmlformats.org/drawingml/2006/chart" xmlns:dgm="http://schemas.openxmlformats.org/drawingml/2006/diagram" xmlns:dsp="http://schemas.microsoft.com/office/drawing/2008/diagram" xmlns:a="http://schemas.openxmlformats.org/drawingml/2006/main" xmlns:pic="http://schemas.openxmlformats.org/drawingml/2006/picture" xmlns:wp="http://schemas.openxmlformats.org/drawingml/2006/wordprocessingDrawing" xmlns:xdr="http://schemas.openxmlformats.org/drawingml/2006/spreadsheetDrawing" name="Office 테마">
+<a:theme xmlns:a="http://schemas.openxmlformats.org/drawingml/2006/main" name="Office 테마">
   <a:themeElements>
     <a:clrScheme name="_008_105">
       <a:dk1>
         <a:sysClr val="windowText" lastClr="000000"/>
       </a:dk1>
       <a:lt1>
-        <a:sysClr val="window" lastClr="ffffff"/>
+        <a:sysClr val="window" lastClr="FFFFFF"/>
       </a:lt1>
       <a:dk2>
-        <a:srgbClr val="44546a"/>
+        <a:srgbClr val="44546A"/>
       </a:dk2>
       <a:lt2>
-        <a:srgbClr val="e7e6e6"/>
+        <a:srgbClr val="E7E6E6"/>
       </a:lt2>
       <a:accent1>
-        <a:srgbClr val="224d60"/>
+        <a:srgbClr val="224D60"/>
       </a:accent1>
       <a:accent2>
         <a:srgbClr val="006182"/>
       </a:accent2>
       <a:accent3>
-        <a:srgbClr val="4e849c"/>
+        <a:srgbClr val="4E849C"/>
       </a:accent3>
       <a:accent4>
-        <a:srgbClr val="dcdbd9"/>
+        <a:srgbClr val="DCDBD9"/>
       </a:accent4>
       <a:accent5>
-        <a:srgbClr val="3b626e"/>
+        <a:srgbClr val="3B626E"/>
       </a:accent5>
       <a:accent6>
-        <a:srgbClr val="27383e"/>
+        <a:srgbClr val="27383E"/>
       </a:accent6>
       <a:hlink>
-        <a:srgbClr val="3f3f3f"/>
+        <a:srgbClr val="3F3F3F"/>
       </a:hlink>
       <a:folHlink>
-        <a:srgbClr val="3f3f3f"/>
+        <a:srgbClr val="3F3F3F"/>
       </a:folHlink>
     </a:clrScheme>
     <a:fontScheme name="Pretendard_Black_standard">
@@ -11253,45 +10796,47 @@
       </a:bgFillStyleLst>
     </a:fmtScheme>
   </a:themeElements>
+  <a:objectDefaults/>
+  <a:extraClrSchemeLst/>
 </a:theme>
 </file>
 
 <file path=ppt/theme/theme2.xml><?xml version="1.0" encoding="utf-8"?>
-<a:theme xmlns:r="http://schemas.openxmlformats.org/officeDocument/2006/relationships" xmlns:c="http://schemas.openxmlformats.org/drawingml/2006/chart" xmlns:dgm="http://schemas.openxmlformats.org/drawingml/2006/diagram" xmlns:dsp="http://schemas.microsoft.com/office/drawing/2008/diagram" xmlns:a="http://schemas.openxmlformats.org/drawingml/2006/main" xmlns:pic="http://schemas.openxmlformats.org/drawingml/2006/picture" xmlns:wp="http://schemas.openxmlformats.org/drawingml/2006/wordprocessingDrawing" xmlns:xdr="http://schemas.openxmlformats.org/drawingml/2006/spreadsheetDrawing" name="한컴오피스">
+<a:theme xmlns:a="http://schemas.openxmlformats.org/drawingml/2006/main" name="한컴오피스">
   <a:themeElements>
     <a:clrScheme name="한컴오피스">
       <a:dk1>
         <a:sysClr val="windowText" lastClr="000000"/>
       </a:dk1>
       <a:lt1>
-        <a:sysClr val="window" lastClr="ffffff"/>
+        <a:sysClr val="window" lastClr="FFFFFF"/>
       </a:lt1>
       <a:dk2>
-        <a:srgbClr val="1c3d62"/>
+        <a:srgbClr val="1C3D62"/>
       </a:dk2>
       <a:lt2>
-        <a:srgbClr val="e3dcc1"/>
+        <a:srgbClr val="E3DCC1"/>
       </a:lt2>
       <a:accent1>
-        <a:srgbClr val="315f97"/>
+        <a:srgbClr val="315F97"/>
       </a:accent1>
       <a:accent2>
-        <a:srgbClr val="c75252"/>
+        <a:srgbClr val="C75252"/>
       </a:accent2>
       <a:accent3>
-        <a:srgbClr val="e9ae2b"/>
+        <a:srgbClr val="E9AE2B"/>
       </a:accent3>
       <a:accent4>
-        <a:srgbClr val="699b37"/>
+        <a:srgbClr val="699B37"/>
       </a:accent4>
       <a:accent5>
         <a:srgbClr val="358791"/>
       </a:accent5>
       <a:accent6>
-        <a:srgbClr val="ca56a7"/>
+        <a:srgbClr val="CA56A7"/>
       </a:accent6>
       <a:hlink>
-        <a:srgbClr val="0000ff"/>
+        <a:srgbClr val="0000FF"/>
       </a:hlink>
       <a:folHlink>
         <a:srgbClr val="800080"/>
@@ -11460,5 +11005,7 @@
       </a:bgFillStyleLst>
     </a:fmtScheme>
   </a:themeElements>
+  <a:objectDefaults/>
+  <a:extraClrSchemeLst/>
 </a:theme>
 </file>